--- a/radiant_ranger_ksp_datathon_prototype_round.pptx
+++ b/radiant_ranger_ksp_datathon_prototype_round.pptx
@@ -16,10 +16,10 @@
     <p:sldId id="260" r:id="rId7"/>
     <p:sldId id="261" r:id="rId8"/>
     <p:sldId id="262" r:id="rId9"/>
-    <p:sldId id="263" r:id="rId10"/>
-    <p:sldId id="264" r:id="rId11"/>
-    <p:sldId id="265" r:id="rId12"/>
-    <p:sldId id="266" r:id="rId13"/>
+    <p:sldId id="271" r:id="rId10"/>
+    <p:sldId id="263" r:id="rId11"/>
+    <p:sldId id="269" r:id="rId12"/>
+    <p:sldId id="270" r:id="rId13"/>
     <p:sldId id="267" r:id="rId14"/>
   </p:sldIdLst>
   <p:sldSz cx="9144000" cy="5143500" type="screen16x9"/>
@@ -9559,7 +9559,7 @@
   <p:cSld>
     <p:spTree>
       <p:nvGrpSpPr>
-        <p:cNvPr id="1" name="Shape 114"/>
+        <p:cNvPr id="1" name="Shape 106"/>
         <p:cNvGrpSpPr/>
         <p:nvPr/>
       </p:nvGrpSpPr>
@@ -9573,7 +9573,7 @@
       </p:grpSpPr>
       <p:sp>
         <p:nvSpPr>
-          <p:cNvPr id="115" name="Google Shape;115;g26b4a6badb2_0_73:notes"/>
+          <p:cNvPr id="107" name="Google Shape;107;g26b4a6badb2_0_66:notes"/>
           <p:cNvSpPr>
             <a:spLocks noGrp="1" noRot="1" noChangeAspect="1"/>
           </p:cNvSpPr>
@@ -9614,7 +9614,7 @@
       </p:sp>
       <p:sp>
         <p:nvSpPr>
-          <p:cNvPr id="116" name="Google Shape;116;g26b4a6badb2_0_73:notes"/>
+          <p:cNvPr id="108" name="Google Shape;108;g26b4a6badb2_0_66:notes"/>
           <p:cNvSpPr txBox="1">
             <a:spLocks noGrp="1"/>
           </p:cNvSpPr>
@@ -9663,7 +9663,7 @@
   <p:cSld>
     <p:spTree>
       <p:nvGrpSpPr>
-        <p:cNvPr id="1" name="Shape 122"/>
+        <p:cNvPr id="1" name="Shape 81"/>
         <p:cNvGrpSpPr/>
         <p:nvPr/>
       </p:nvGrpSpPr>
@@ -9677,7 +9677,7 @@
       </p:grpSpPr>
       <p:sp>
         <p:nvSpPr>
-          <p:cNvPr id="123" name="Google Shape;123;g26b4a6badb2_0_80:notes"/>
+          <p:cNvPr id="82" name="Google Shape;82;g2b1da83d747_0_12:notes"/>
           <p:cNvSpPr>
             <a:spLocks noGrp="1" noRot="1" noChangeAspect="1"/>
           </p:cNvSpPr>
@@ -9718,7 +9718,7 @@
       </p:sp>
       <p:sp>
         <p:nvSpPr>
-          <p:cNvPr id="124" name="Google Shape;124;g26b4a6badb2_0_80:notes"/>
+          <p:cNvPr id="83" name="Google Shape;83;g2b1da83d747_0_12:notes"/>
           <p:cNvSpPr txBox="1">
             <a:spLocks noGrp="1"/>
           </p:cNvSpPr>
@@ -9767,7 +9767,7 @@
   <p:cSld>
     <p:spTree>
       <p:nvGrpSpPr>
-        <p:cNvPr id="1" name="Shape 130"/>
+        <p:cNvPr id="1" name="Shape 89"/>
         <p:cNvGrpSpPr/>
         <p:nvPr/>
       </p:nvGrpSpPr>
@@ -9781,7 +9781,7 @@
       </p:grpSpPr>
       <p:sp>
         <p:nvSpPr>
-          <p:cNvPr id="131" name="Google Shape;131;g2b1da83d747_0_21:notes"/>
+          <p:cNvPr id="90" name="Google Shape;90;g2b1da83d747_0_21:notes"/>
           <p:cNvSpPr>
             <a:spLocks noGrp="1" noRot="1" noChangeAspect="1"/>
           </p:cNvSpPr>
@@ -9822,7 +9822,7 @@
       </p:sp>
       <p:sp>
         <p:nvSpPr>
-          <p:cNvPr id="132" name="Google Shape;132;g2b1da83d747_0_21:notes"/>
+          <p:cNvPr id="91" name="Google Shape;91;g2b1da83d747_0_21:notes"/>
           <p:cNvSpPr txBox="1">
             <a:spLocks noGrp="1"/>
           </p:cNvSpPr>
@@ -10708,7 +10708,7 @@
   <p:cSld>
     <p:spTree>
       <p:nvGrpSpPr>
-        <p:cNvPr id="1" name="Shape 106"/>
+        <p:cNvPr id="1" name="Shape 98"/>
         <p:cNvGrpSpPr/>
         <p:nvPr/>
       </p:nvGrpSpPr>
@@ -10722,7 +10722,7 @@
       </p:grpSpPr>
       <p:sp>
         <p:nvSpPr>
-          <p:cNvPr id="107" name="Google Shape;107;g26b4a6badb2_0_66:notes"/>
+          <p:cNvPr id="99" name="Google Shape;99;g26b4a6badb2_0_59:notes"/>
           <p:cNvSpPr>
             <a:spLocks noGrp="1" noRot="1" noChangeAspect="1"/>
           </p:cNvSpPr>
@@ -10763,7 +10763,7 @@
       </p:sp>
       <p:sp>
         <p:nvSpPr>
-          <p:cNvPr id="108" name="Google Shape;108;g26b4a6badb2_0_66:notes"/>
+          <p:cNvPr id="100" name="Google Shape;100;g26b4a6badb2_0_59:notes"/>
           <p:cNvSpPr txBox="1">
             <a:spLocks noGrp="1"/>
           </p:cNvSpPr>
@@ -10800,6 +10800,11 @@
         </p:txBody>
       </p:sp>
     </p:spTree>
+    <p:extLst>
+      <p:ext uri="{BB962C8B-B14F-4D97-AF65-F5344CB8AC3E}">
+        <p14:creationId xmlns:p14="http://schemas.microsoft.com/office/powerpoint/2010/main" val="505319982"/>
+      </p:ext>
+    </p:extLst>
   </p:cSld>
   <p:clrMapOvr>
     <a:masterClrMapping/>
@@ -15789,7 +15794,7 @@
   <p:cSld>
     <p:spTree>
       <p:nvGrpSpPr>
-        <p:cNvPr id="1" name="Shape 117"/>
+        <p:cNvPr id="1" name="Shape 109"/>
         <p:cNvGrpSpPr/>
         <p:nvPr/>
       </p:nvGrpSpPr>
@@ -15803,7 +15808,7 @@
       </p:grpSpPr>
       <p:sp>
         <p:nvSpPr>
-          <p:cNvPr id="118" name="Google Shape;118;p21"/>
+          <p:cNvPr id="110" name="Google Shape;110;p20"/>
           <p:cNvSpPr txBox="1">
             <a:spLocks noGrp="1"/>
           </p:cNvSpPr>
@@ -15841,7 +15846,7 @@
       </p:sp>
       <p:sp>
         <p:nvSpPr>
-          <p:cNvPr id="119" name="Google Shape;119;p21"/>
+          <p:cNvPr id="111" name="Google Shape;111;p20"/>
           <p:cNvSpPr txBox="1">
             <a:spLocks noGrp="1"/>
           </p:cNvSpPr>
@@ -15879,7 +15884,7 @@
       </p:sp>
       <p:pic>
         <p:nvPicPr>
-          <p:cNvPr id="120" name="Google Shape;120;p21"/>
+          <p:cNvPr id="112" name="Google Shape;112;p20"/>
           <p:cNvPicPr preferRelativeResize="0"/>
           <p:nvPr/>
         </p:nvPicPr>
@@ -15907,13 +15912,13 @@
       </p:pic>
       <p:sp>
         <p:nvSpPr>
-          <p:cNvPr id="121" name="Google Shape;121;p21"/>
+          <p:cNvPr id="113" name="Google Shape;113;p20"/>
           <p:cNvSpPr txBox="1"/>
           <p:nvPr/>
         </p:nvSpPr>
         <p:spPr>
           <a:xfrm>
-            <a:off x="226625" y="739000"/>
+            <a:off x="221700" y="1101679"/>
             <a:ext cx="8700600" cy="443400"/>
           </a:xfrm>
           <a:prstGeom prst="rect">
@@ -15940,14 +15945,70 @@
               <a:buNone/>
             </a:pPr>
             <a:r>
-              <a:rPr lang="en-GB" sz="1800">
+              <a:rPr lang="en-GB" sz="1800" dirty="0">
+                <a:solidFill>
+                  <a:schemeClr val="dk2"/>
+                </a:solidFill>
+              </a:rPr>
+              <a:t>GitHub Repository URL &amp; Description</a:t>
+            </a:r>
+            <a:endParaRPr sz="1800" dirty="0">
+              <a:solidFill>
+                <a:schemeClr val="dk2"/>
+              </a:solidFill>
+            </a:endParaRPr>
+          </a:p>
+        </p:txBody>
+      </p:sp>
+      <p:sp>
+        <p:nvSpPr>
+          <p:cNvPr id="6" name="Google Shape;121;p21">
+            <a:extLst>
+              <a:ext uri="{FF2B5EF4-FFF2-40B4-BE49-F238E27FC236}">
+                <a16:creationId xmlns:a16="http://schemas.microsoft.com/office/drawing/2014/main" id="{E10BC65A-B34F-4B7B-826E-34AFA42C9204}"/>
+              </a:ext>
+            </a:extLst>
+          </p:cNvPr>
+          <p:cNvSpPr txBox="1"/>
+          <p:nvPr/>
+        </p:nvSpPr>
+        <p:spPr>
+          <a:xfrm>
+            <a:off x="311700" y="2417275"/>
+            <a:ext cx="8700600" cy="443400"/>
+          </a:xfrm>
+          <a:prstGeom prst="rect">
+            <a:avLst/>
+          </a:prstGeom>
+          <a:noFill/>
+          <a:ln>
+            <a:noFill/>
+          </a:ln>
+        </p:spPr>
+        <p:txBody>
+          <a:bodyPr spcFirstLastPara="1" wrap="square" lIns="91425" tIns="91425" rIns="91425" bIns="91425" anchor="t" anchorCtr="0">
+            <a:noAutofit/>
+          </a:bodyPr>
+          <a:lstStyle/>
+          <a:p>
+            <a:pPr marL="0" lvl="0" indent="0" algn="l" rtl="0">
+              <a:spcBef>
+                <a:spcPts val="0"/>
+              </a:spcBef>
+              <a:spcAft>
+                <a:spcPts val="0"/>
+              </a:spcAft>
+              <a:buNone/>
+            </a:pPr>
+            <a:r>
+              <a:rPr lang="en-GB" sz="1800" dirty="0">
                 <a:solidFill>
                   <a:schemeClr val="dk2"/>
                 </a:solidFill>
               </a:rPr>
               <a:t>Demo Video URL</a:t>
             </a:r>
-            <a:endParaRPr sz="1800">
+            <a:endParaRPr sz="1800" dirty="0">
               <a:solidFill>
                 <a:schemeClr val="dk2"/>
               </a:solidFill>
@@ -15964,16 +16025,60 @@
               <a:buNone/>
             </a:pPr>
             <a:r>
-              <a:rPr lang="en-GB" sz="1000">
+              <a:rPr lang="en-GB" sz="1000" dirty="0">
                 <a:solidFill>
                   <a:schemeClr val="dk2"/>
                 </a:solidFill>
               </a:rPr>
               <a:t>(Video should not be more than 2 Minutes)</a:t>
             </a:r>
-            <a:endParaRPr sz="1000">
+            <a:endParaRPr sz="1000" dirty="0">
               <a:solidFill>
                 <a:schemeClr val="dk2"/>
+              </a:solidFill>
+            </a:endParaRPr>
+          </a:p>
+        </p:txBody>
+      </p:sp>
+      <p:sp>
+        <p:nvSpPr>
+          <p:cNvPr id="2" name="Rectangle 1">
+            <a:extLst>
+              <a:ext uri="{FF2B5EF4-FFF2-40B4-BE49-F238E27FC236}">
+                <a16:creationId xmlns:a16="http://schemas.microsoft.com/office/drawing/2014/main" id="{C13B0AEE-3970-4AD0-A986-8D4F217B6776}"/>
+              </a:ext>
+            </a:extLst>
+          </p:cNvPr>
+          <p:cNvSpPr/>
+          <p:nvPr/>
+        </p:nvSpPr>
+        <p:spPr>
+          <a:xfrm>
+            <a:off x="570614" y="1654359"/>
+            <a:ext cx="6049926" cy="307777"/>
+          </a:xfrm>
+          <a:prstGeom prst="rect">
+            <a:avLst/>
+          </a:prstGeom>
+        </p:spPr>
+        <p:txBody>
+          <a:bodyPr wrap="square">
+            <a:spAutoFit/>
+          </a:bodyPr>
+          <a:lstStyle/>
+          <a:p>
+            <a:r>
+              <a:rPr lang="en-IN" u="sng" dirty="0">
+                <a:solidFill>
+                  <a:srgbClr val="2F49AF"/>
+                </a:solidFill>
+                <a:hlinkClick r:id="rId4"/>
+              </a:rPr>
+              <a:t>https://github.com/Ankan54/ksp-hackathon-radiant-ranger</a:t>
+            </a:r>
+            <a:endParaRPr lang="en-IN" u="sng" dirty="0">
+              <a:solidFill>
+                <a:srgbClr val="2F49AF"/>
               </a:solidFill>
             </a:endParaRPr>
           </a:p>
@@ -15992,7 +16097,7 @@
   <p:cSld>
     <p:spTree>
       <p:nvGrpSpPr>
-        <p:cNvPr id="1" name="Shape 125"/>
+        <p:cNvPr id="1" name="Shape 84"/>
         <p:cNvGrpSpPr/>
         <p:nvPr/>
       </p:nvGrpSpPr>
@@ -16006,7 +16111,7 @@
       </p:grpSpPr>
       <p:sp>
         <p:nvSpPr>
-          <p:cNvPr id="126" name="Google Shape;126;p22"/>
+          <p:cNvPr id="85" name="Google Shape;85;p17"/>
           <p:cNvSpPr txBox="1">
             <a:spLocks noGrp="1"/>
           </p:cNvSpPr>
@@ -16044,7 +16149,7 @@
       </p:sp>
       <p:sp>
         <p:nvSpPr>
-          <p:cNvPr id="127" name="Google Shape;127;p22"/>
+          <p:cNvPr id="86" name="Google Shape;86;p17"/>
           <p:cNvSpPr txBox="1">
             <a:spLocks noGrp="1"/>
           </p:cNvSpPr>
@@ -16082,7 +16187,7 @@
       </p:sp>
       <p:pic>
         <p:nvPicPr>
-          <p:cNvPr id="128" name="Google Shape;128;p22"/>
+          <p:cNvPr id="87" name="Google Shape;87;p17"/>
           <p:cNvPicPr preferRelativeResize="0"/>
           <p:nvPr/>
         </p:nvPicPr>
@@ -16110,14 +16215,20 @@
       </p:pic>
       <p:sp>
         <p:nvSpPr>
-          <p:cNvPr id="129" name="Google Shape;129;p22"/>
+          <p:cNvPr id="7" name="Google Shape;80;p16">
+            <a:extLst>
+              <a:ext uri="{FF2B5EF4-FFF2-40B4-BE49-F238E27FC236}">
+                <a16:creationId xmlns:a16="http://schemas.microsoft.com/office/drawing/2014/main" id="{091521DC-0554-4B2D-B445-93E3F3C2D712}"/>
+              </a:ext>
+            </a:extLst>
+          </p:cNvPr>
           <p:cNvSpPr txBox="1"/>
           <p:nvPr/>
         </p:nvSpPr>
         <p:spPr>
           <a:xfrm>
-            <a:off x="226625" y="739000"/>
-            <a:ext cx="8700600" cy="443400"/>
+            <a:off x="0" y="659875"/>
+            <a:ext cx="8680800" cy="492600"/>
           </a:xfrm>
           <a:prstGeom prst="rect">
             <a:avLst/>
@@ -16143,17 +16254,295 @@
               <a:buNone/>
             </a:pPr>
             <a:r>
-              <a:rPr lang="en-GB" sz="1800">
+              <a:rPr lang="en-GB" sz="1800" dirty="0">
                 <a:solidFill>
-                  <a:schemeClr val="dk2"/>
+                  <a:srgbClr val="595959"/>
                 </a:solidFill>
+                <a:latin typeface="Cambria" panose="02040503050406030204" pitchFamily="18" charset="0"/>
+                <a:ea typeface="Cambria" panose="02040503050406030204" pitchFamily="18" charset="0"/>
               </a:rPr>
-              <a:t>Additional Details</a:t>
+              <a:t>Value Proposition</a:t>
             </a:r>
-            <a:endParaRPr sz="1800">
+            <a:endParaRPr sz="1800" dirty="0">
               <a:solidFill>
-                <a:schemeClr val="dk2"/>
+                <a:srgbClr val="595959"/>
               </a:solidFill>
+              <a:latin typeface="Cambria" panose="02040503050406030204" pitchFamily="18" charset="0"/>
+              <a:ea typeface="Cambria" panose="02040503050406030204" pitchFamily="18" charset="0"/>
+            </a:endParaRPr>
+          </a:p>
+        </p:txBody>
+      </p:sp>
+      <p:sp>
+        <p:nvSpPr>
+          <p:cNvPr id="5" name="Rectangle 4">
+            <a:extLst>
+              <a:ext uri="{FF2B5EF4-FFF2-40B4-BE49-F238E27FC236}">
+                <a16:creationId xmlns:a16="http://schemas.microsoft.com/office/drawing/2014/main" id="{F25E803B-7F17-47F7-92E2-4E900E425BB1}"/>
+              </a:ext>
+            </a:extLst>
+          </p:cNvPr>
+          <p:cNvSpPr/>
+          <p:nvPr/>
+        </p:nvSpPr>
+        <p:spPr>
+          <a:xfrm>
+            <a:off x="451172" y="1152475"/>
+            <a:ext cx="8229628" cy="3656194"/>
+          </a:xfrm>
+          <a:prstGeom prst="rect">
+            <a:avLst/>
+          </a:prstGeom>
+          <a:solidFill>
+            <a:schemeClr val="accent1">
+              <a:lumMod val="20000"/>
+              <a:lumOff val="80000"/>
+            </a:schemeClr>
+          </a:solidFill>
+        </p:spPr>
+        <p:txBody>
+          <a:bodyPr wrap="square">
+            <a:spAutoFit/>
+          </a:bodyPr>
+          <a:lstStyle/>
+          <a:p>
+            <a:pPr marL="285750" indent="-285750" algn="just">
+              <a:lnSpc>
+                <a:spcPct val="150000"/>
+              </a:lnSpc>
+              <a:buFont typeface="Wingdings" panose="05000000000000000000" pitchFamily="2" charset="2"/>
+              <a:buChar char="ü"/>
+            </a:pPr>
+            <a:r>
+              <a:rPr lang="en-US" sz="1300" dirty="0">
+                <a:latin typeface="Cambria" panose="02040503050406030204" pitchFamily="18" charset="0"/>
+                <a:ea typeface="Cambria" panose="02040503050406030204" pitchFamily="18" charset="0"/>
+              </a:rPr>
+              <a:t>The solution enables law enforcement agencies to </a:t>
+            </a:r>
+            <a:r>
+              <a:rPr lang="en-US" sz="1300" b="1" dirty="0">
+                <a:solidFill>
+                  <a:srgbClr val="2F49AF"/>
+                </a:solidFill>
+                <a:latin typeface="Cambria" panose="02040503050406030204" pitchFamily="18" charset="0"/>
+                <a:ea typeface="Cambria" panose="02040503050406030204" pitchFamily="18" charset="0"/>
+              </a:rPr>
+              <a:t>gather and analyze large amounts of data automatically</a:t>
+            </a:r>
+            <a:r>
+              <a:rPr lang="en-US" sz="1300" dirty="0">
+                <a:latin typeface="Cambria" panose="02040503050406030204" pitchFamily="18" charset="0"/>
+                <a:ea typeface="Cambria" panose="02040503050406030204" pitchFamily="18" charset="0"/>
+              </a:rPr>
+              <a:t>.</a:t>
+            </a:r>
+          </a:p>
+          <a:p>
+            <a:pPr marL="285750" indent="-285750" algn="just">
+              <a:lnSpc>
+                <a:spcPct val="150000"/>
+              </a:lnSpc>
+              <a:buFont typeface="Wingdings" panose="05000000000000000000" pitchFamily="2" charset="2"/>
+              <a:buChar char="ü"/>
+            </a:pPr>
+            <a:r>
+              <a:rPr lang="en-US" sz="1300" dirty="0">
+                <a:latin typeface="Cambria" panose="02040503050406030204" pitchFamily="18" charset="0"/>
+                <a:ea typeface="Cambria" panose="02040503050406030204" pitchFamily="18" charset="0"/>
+              </a:rPr>
+              <a:t>The solution uses </a:t>
+            </a:r>
+            <a:r>
+              <a:rPr lang="en-US" sz="1300" b="1" dirty="0">
+                <a:solidFill>
+                  <a:srgbClr val="2F49AF"/>
+                </a:solidFill>
+                <a:latin typeface="Cambria" panose="02040503050406030204" pitchFamily="18" charset="0"/>
+                <a:ea typeface="Cambria" panose="02040503050406030204" pitchFamily="18" charset="0"/>
+              </a:rPr>
+              <a:t>machine learning and real time data analysis </a:t>
+            </a:r>
+            <a:r>
+              <a:rPr lang="en-US" sz="1300" dirty="0">
+                <a:latin typeface="Cambria" panose="02040503050406030204" pitchFamily="18" charset="0"/>
+                <a:ea typeface="Cambria" panose="02040503050406030204" pitchFamily="18" charset="0"/>
+              </a:rPr>
+              <a:t>to identify the locations, types, and severity of disturbances. It also </a:t>
+            </a:r>
+            <a:r>
+              <a:rPr lang="en-US" sz="1300" b="1" dirty="0">
+                <a:solidFill>
+                  <a:srgbClr val="2F49AF"/>
+                </a:solidFill>
+                <a:latin typeface="Cambria" panose="02040503050406030204" pitchFamily="18" charset="0"/>
+                <a:ea typeface="Cambria" panose="02040503050406030204" pitchFamily="18" charset="0"/>
+              </a:rPr>
+              <a:t>correlates this data with the data of deployed and available personnel</a:t>
+            </a:r>
+            <a:r>
+              <a:rPr lang="en-US" sz="1300" dirty="0">
+                <a:latin typeface="Cambria" panose="02040503050406030204" pitchFamily="18" charset="0"/>
+                <a:ea typeface="Cambria" panose="02040503050406030204" pitchFamily="18" charset="0"/>
+              </a:rPr>
+              <a:t>. This helps law enforcement agencies </a:t>
+            </a:r>
+            <a:r>
+              <a:rPr lang="en-US" sz="1300" b="1" dirty="0">
+                <a:solidFill>
+                  <a:srgbClr val="2F49AF"/>
+                </a:solidFill>
+                <a:latin typeface="Cambria" panose="02040503050406030204" pitchFamily="18" charset="0"/>
+                <a:ea typeface="Cambria" panose="02040503050406030204" pitchFamily="18" charset="0"/>
+              </a:rPr>
+              <a:t>plan how to deploy their personnel effectively</a:t>
+            </a:r>
+            <a:r>
+              <a:rPr lang="en-US" sz="1300" dirty="0">
+                <a:solidFill>
+                  <a:srgbClr val="2F49AF"/>
+                </a:solidFill>
+                <a:latin typeface="Cambria" panose="02040503050406030204" pitchFamily="18" charset="0"/>
+                <a:ea typeface="Cambria" panose="02040503050406030204" pitchFamily="18" charset="0"/>
+              </a:rPr>
+              <a:t> </a:t>
+            </a:r>
+            <a:r>
+              <a:rPr lang="en-US" sz="1300" dirty="0">
+                <a:latin typeface="Cambria" panose="02040503050406030204" pitchFamily="18" charset="0"/>
+                <a:ea typeface="Cambria" panose="02040503050406030204" pitchFamily="18" charset="0"/>
+              </a:rPr>
+              <a:t>and control the situation as soon as possible. </a:t>
+            </a:r>
+          </a:p>
+          <a:p>
+            <a:pPr marL="285750" indent="-285750" algn="just">
+              <a:lnSpc>
+                <a:spcPct val="150000"/>
+              </a:lnSpc>
+              <a:buFont typeface="Wingdings" panose="05000000000000000000" pitchFamily="2" charset="2"/>
+              <a:buChar char="ü"/>
+            </a:pPr>
+            <a:r>
+              <a:rPr lang="en-US" sz="1300" dirty="0">
+                <a:latin typeface="Cambria" panose="02040503050406030204" pitchFamily="18" charset="0"/>
+                <a:ea typeface="Cambria" panose="02040503050406030204" pitchFamily="18" charset="0"/>
+              </a:rPr>
+              <a:t>This solution also helps law enforcement agencies </a:t>
+            </a:r>
+            <a:r>
+              <a:rPr lang="en-US" sz="1300" b="1" dirty="0">
+                <a:solidFill>
+                  <a:srgbClr val="2F49AF"/>
+                </a:solidFill>
+                <a:latin typeface="Cambria" panose="02040503050406030204" pitchFamily="18" charset="0"/>
+                <a:ea typeface="Cambria" panose="02040503050406030204" pitchFamily="18" charset="0"/>
+              </a:rPr>
+              <a:t>control and mitigate fake news</a:t>
+            </a:r>
+            <a:r>
+              <a:rPr lang="en-US" sz="1300" dirty="0">
+                <a:solidFill>
+                  <a:srgbClr val="2F49AF"/>
+                </a:solidFill>
+                <a:latin typeface="Cambria" panose="02040503050406030204" pitchFamily="18" charset="0"/>
+                <a:ea typeface="Cambria" panose="02040503050406030204" pitchFamily="18" charset="0"/>
+              </a:rPr>
+              <a:t> </a:t>
+            </a:r>
+            <a:r>
+              <a:rPr lang="en-US" sz="1300" dirty="0">
+                <a:latin typeface="Cambria" panose="02040503050406030204" pitchFamily="18" charset="0"/>
+                <a:ea typeface="Cambria" panose="02040503050406030204" pitchFamily="18" charset="0"/>
+              </a:rPr>
+              <a:t>on social media by </a:t>
+            </a:r>
+            <a:r>
+              <a:rPr lang="en-US" sz="1300" b="1" dirty="0">
+                <a:solidFill>
+                  <a:srgbClr val="2F49AF"/>
+                </a:solidFill>
+                <a:latin typeface="Cambria" panose="02040503050406030204" pitchFamily="18" charset="0"/>
+                <a:ea typeface="Cambria" panose="02040503050406030204" pitchFamily="18" charset="0"/>
+              </a:rPr>
+              <a:t>automatically identifying the trending topics</a:t>
+            </a:r>
+            <a:r>
+              <a:rPr lang="en-US" sz="1300" dirty="0">
+                <a:latin typeface="Cambria" panose="02040503050406030204" pitchFamily="18" charset="0"/>
+                <a:ea typeface="Cambria" panose="02040503050406030204" pitchFamily="18" charset="0"/>
+              </a:rPr>
+              <a:t>.</a:t>
+            </a:r>
+          </a:p>
+          <a:p>
+            <a:pPr marL="285750" indent="-285750" algn="just">
+              <a:lnSpc>
+                <a:spcPct val="150000"/>
+              </a:lnSpc>
+              <a:buFont typeface="Wingdings" panose="05000000000000000000" pitchFamily="2" charset="2"/>
+              <a:buChar char="ü"/>
+            </a:pPr>
+            <a:r>
+              <a:rPr lang="en-US" sz="1300" dirty="0">
+                <a:latin typeface="Cambria" panose="02040503050406030204" pitchFamily="18" charset="0"/>
+                <a:ea typeface="Cambria" panose="02040503050406030204" pitchFamily="18" charset="0"/>
+              </a:rPr>
+              <a:t>Moreover, the </a:t>
+            </a:r>
+            <a:r>
+              <a:rPr lang="en-US" sz="1300" b="1" dirty="0">
+                <a:solidFill>
+                  <a:srgbClr val="2F49AF"/>
+                </a:solidFill>
+                <a:latin typeface="Cambria" panose="02040503050406030204" pitchFamily="18" charset="0"/>
+                <a:ea typeface="Cambria" panose="02040503050406030204" pitchFamily="18" charset="0"/>
+              </a:rPr>
+              <a:t>data collected </a:t>
+            </a:r>
+            <a:r>
+              <a:rPr lang="en-US" sz="1300" dirty="0">
+                <a:latin typeface="Cambria" panose="02040503050406030204" pitchFamily="18" charset="0"/>
+                <a:ea typeface="Cambria" panose="02040503050406030204" pitchFamily="18" charset="0"/>
+              </a:rPr>
+              <a:t>by the system will enable the agencies to </a:t>
+            </a:r>
+            <a:r>
+              <a:rPr lang="en-US" sz="1300" b="1" dirty="0">
+                <a:solidFill>
+                  <a:srgbClr val="2F49AF"/>
+                </a:solidFill>
+                <a:latin typeface="Cambria" panose="02040503050406030204" pitchFamily="18" charset="0"/>
+                <a:ea typeface="Cambria" panose="02040503050406030204" pitchFamily="18" charset="0"/>
+              </a:rPr>
+              <a:t>train their own custom models </a:t>
+            </a:r>
+            <a:r>
+              <a:rPr lang="en-US" sz="1300" dirty="0">
+                <a:latin typeface="Cambria" panose="02040503050406030204" pitchFamily="18" charset="0"/>
+                <a:ea typeface="Cambria" panose="02040503050406030204" pitchFamily="18" charset="0"/>
+              </a:rPr>
+              <a:t>for predictive analytics purposes.</a:t>
+            </a:r>
+          </a:p>
+          <a:p>
+            <a:pPr marL="285750" indent="-285750" algn="just">
+              <a:lnSpc>
+                <a:spcPct val="150000"/>
+              </a:lnSpc>
+              <a:buFont typeface="Wingdings" panose="05000000000000000000" pitchFamily="2" charset="2"/>
+              <a:buChar char="ü"/>
+            </a:pPr>
+            <a:r>
+              <a:rPr lang="en-US" sz="1300" dirty="0">
+                <a:latin typeface="Cambria" panose="02040503050406030204" pitchFamily="18" charset="0"/>
+                <a:ea typeface="Cambria" panose="02040503050406030204" pitchFamily="18" charset="0"/>
+              </a:rPr>
+              <a:t>By using this solution, law enforcement agencies can act proactively even before complaints reach them, and thus build trust with the public.</a:t>
+            </a:r>
+            <a:endParaRPr lang="en-IN" sz="1300" dirty="0">
+              <a:latin typeface="Cambria" panose="02040503050406030204" pitchFamily="18" charset="0"/>
+              <a:ea typeface="Cambria" panose="02040503050406030204" pitchFamily="18" charset="0"/>
             </a:endParaRPr>
           </a:p>
         </p:txBody>
@@ -16171,7 +16560,7 @@
   <p:cSld>
     <p:spTree>
       <p:nvGrpSpPr>
-        <p:cNvPr id="1" name="Shape 133"/>
+        <p:cNvPr id="1" name="Shape 92"/>
         <p:cNvGrpSpPr/>
         <p:nvPr/>
       </p:nvGrpSpPr>
@@ -16185,7 +16574,7 @@
       </p:grpSpPr>
       <p:sp>
         <p:nvSpPr>
-          <p:cNvPr id="134" name="Google Shape;134;p23"/>
+          <p:cNvPr id="93" name="Google Shape;93;p18"/>
           <p:cNvSpPr txBox="1">
             <a:spLocks noGrp="1"/>
           </p:cNvSpPr>
@@ -16223,7 +16612,7 @@
       </p:sp>
       <p:sp>
         <p:nvSpPr>
-          <p:cNvPr id="135" name="Google Shape;135;p23"/>
+          <p:cNvPr id="94" name="Google Shape;94;p18"/>
           <p:cNvSpPr txBox="1">
             <a:spLocks noGrp="1"/>
           </p:cNvSpPr>
@@ -16261,7 +16650,7 @@
       </p:sp>
       <p:pic>
         <p:nvPicPr>
-          <p:cNvPr id="136" name="Google Shape;136;p23"/>
+          <p:cNvPr id="95" name="Google Shape;95;p18"/>
           <p:cNvPicPr preferRelativeResize="0"/>
           <p:nvPr/>
         </p:nvPicPr>
@@ -16289,13 +16678,13 @@
       </p:pic>
       <p:sp>
         <p:nvSpPr>
-          <p:cNvPr id="137" name="Google Shape;137;p23"/>
+          <p:cNvPr id="96" name="Google Shape;96;p18"/>
           <p:cNvSpPr txBox="1"/>
           <p:nvPr/>
         </p:nvSpPr>
         <p:spPr>
           <a:xfrm>
-            <a:off x="216775" y="788275"/>
+            <a:off x="0" y="677065"/>
             <a:ext cx="8227500" cy="542100"/>
           </a:xfrm>
           <a:prstGeom prst="rect">
@@ -16322,17 +16711,505 @@
               <a:buNone/>
             </a:pPr>
             <a:r>
-              <a:rPr lang="en-GB" sz="1800">
+              <a:rPr lang="en-GB" sz="1800" dirty="0">
                 <a:solidFill>
                   <a:srgbClr val="595959"/>
                 </a:solidFill>
+                <a:latin typeface="Cambria" panose="02040503050406030204" pitchFamily="18" charset="0"/>
+                <a:ea typeface="Cambria" panose="02040503050406030204" pitchFamily="18" charset="0"/>
               </a:rPr>
-              <a:t>Summary</a:t>
+              <a:t>Our Edge / Uniqueness</a:t>
             </a:r>
-            <a:endParaRPr sz="1800">
+            <a:endParaRPr sz="1800" dirty="0">
               <a:solidFill>
                 <a:srgbClr val="595959"/>
               </a:solidFill>
+              <a:latin typeface="Cambria" panose="02040503050406030204" pitchFamily="18" charset="0"/>
+              <a:ea typeface="Cambria" panose="02040503050406030204" pitchFamily="18" charset="0"/>
+            </a:endParaRPr>
+          </a:p>
+        </p:txBody>
+      </p:sp>
+      <p:pic>
+        <p:nvPicPr>
+          <p:cNvPr id="1026" name="Picture 2" descr="Global Crowdsourcing Colored Icon In Powerpoint Pptx Png And Editable Eps  Format">
+            <a:extLst>
+              <a:ext uri="{FF2B5EF4-FFF2-40B4-BE49-F238E27FC236}">
+                <a16:creationId xmlns:a16="http://schemas.microsoft.com/office/drawing/2014/main" id="{5AFF154F-1C37-4574-8750-B2136A8EE502}"/>
+              </a:ext>
+            </a:extLst>
+          </p:cNvPr>
+          <p:cNvPicPr>
+            <a:picLocks noChangeAspect="1" noChangeArrowheads="1"/>
+          </p:cNvPicPr>
+          <p:nvPr/>
+        </p:nvPicPr>
+        <p:blipFill rotWithShape="1">
+          <a:blip r:embed="rId4">
+            <a:extLst>
+              <a:ext uri="{28A0092B-C50C-407E-A947-70E740481C1C}">
+                <a14:useLocalDpi xmlns:a14="http://schemas.microsoft.com/office/drawing/2010/main" val="0"/>
+              </a:ext>
+            </a:extLst>
+          </a:blip>
+          <a:srcRect l="30969" t="22903" r="31124" b="10676"/>
+          <a:stretch/>
+        </p:blipFill>
+        <p:spPr bwMode="auto">
+          <a:xfrm>
+            <a:off x="492229" y="1395708"/>
+            <a:ext cx="525822" cy="518266"/>
+          </a:xfrm>
+          <a:prstGeom prst="rect">
+            <a:avLst/>
+          </a:prstGeom>
+          <a:noFill/>
+          <a:extLst>
+            <a:ext uri="{909E8E84-426E-40DD-AFC4-6F175D3DCCD1}">
+              <a14:hiddenFill xmlns:a14="http://schemas.microsoft.com/office/drawing/2010/main">
+                <a:solidFill>
+                  <a:srgbClr val="FFFFFF"/>
+                </a:solidFill>
+              </a14:hiddenFill>
+            </a:ext>
+          </a:extLst>
+        </p:spPr>
+      </p:pic>
+      <p:sp>
+        <p:nvSpPr>
+          <p:cNvPr id="6" name="Rectangle 5">
+            <a:extLst>
+              <a:ext uri="{FF2B5EF4-FFF2-40B4-BE49-F238E27FC236}">
+                <a16:creationId xmlns:a16="http://schemas.microsoft.com/office/drawing/2014/main" id="{88189BE9-2BDA-4D49-B7FA-3F5EE438B1C7}"/>
+              </a:ext>
+            </a:extLst>
+          </p:cNvPr>
+          <p:cNvSpPr/>
+          <p:nvPr/>
+        </p:nvSpPr>
+        <p:spPr>
+          <a:xfrm>
+            <a:off x="1135137" y="1416263"/>
+            <a:ext cx="7612746" cy="523220"/>
+          </a:xfrm>
+          <a:prstGeom prst="rect">
+            <a:avLst/>
+          </a:prstGeom>
+        </p:spPr>
+        <p:txBody>
+          <a:bodyPr wrap="square">
+            <a:spAutoFit/>
+          </a:bodyPr>
+          <a:lstStyle/>
+          <a:p>
+            <a:pPr lvl="0"/>
+            <a:r>
+              <a:rPr lang="en-US" dirty="0">
+                <a:latin typeface="Cambria" panose="02040503050406030204" pitchFamily="18" charset="0"/>
+                <a:ea typeface="Cambria" panose="02040503050406030204" pitchFamily="18" charset="0"/>
+              </a:rPr>
+              <a:t>Relevant information are gathered through </a:t>
+            </a:r>
+            <a:r>
+              <a:rPr lang="en-US" b="1" dirty="0">
+                <a:latin typeface="Cambria" panose="02040503050406030204" pitchFamily="18" charset="0"/>
+                <a:ea typeface="Cambria" panose="02040503050406030204" pitchFamily="18" charset="0"/>
+              </a:rPr>
+              <a:t>crowdsourcing</a:t>
+            </a:r>
+            <a:r>
+              <a:rPr lang="en-US" dirty="0">
+                <a:latin typeface="Cambria" panose="02040503050406030204" pitchFamily="18" charset="0"/>
+                <a:ea typeface="Cambria" panose="02040503050406030204" pitchFamily="18" charset="0"/>
+              </a:rPr>
+              <a:t>, and </a:t>
+            </a:r>
+            <a:r>
+              <a:rPr lang="en-US" b="1" dirty="0">
+                <a:latin typeface="Cambria" panose="02040503050406030204" pitchFamily="18" charset="0"/>
+                <a:ea typeface="Cambria" panose="02040503050406030204" pitchFamily="18" charset="0"/>
+              </a:rPr>
+              <a:t>automated processes extract meaningful insights </a:t>
+            </a:r>
+            <a:r>
+              <a:rPr lang="en-US" dirty="0">
+                <a:latin typeface="Cambria" panose="02040503050406030204" pitchFamily="18" charset="0"/>
+                <a:ea typeface="Cambria" panose="02040503050406030204" pitchFamily="18" charset="0"/>
+              </a:rPr>
+              <a:t>from unstructured source data</a:t>
+            </a:r>
+            <a:endParaRPr lang="en-IN" dirty="0">
+              <a:latin typeface="Cambria" panose="02040503050406030204" pitchFamily="18" charset="0"/>
+              <a:ea typeface="Cambria" panose="02040503050406030204" pitchFamily="18" charset="0"/>
+            </a:endParaRPr>
+          </a:p>
+        </p:txBody>
+      </p:sp>
+      <p:sp>
+        <p:nvSpPr>
+          <p:cNvPr id="7" name="Rectangle 6">
+            <a:extLst>
+              <a:ext uri="{FF2B5EF4-FFF2-40B4-BE49-F238E27FC236}">
+                <a16:creationId xmlns:a16="http://schemas.microsoft.com/office/drawing/2014/main" id="{66C76C9F-C85E-4B04-A340-99A5E69853C7}"/>
+              </a:ext>
+            </a:extLst>
+          </p:cNvPr>
+          <p:cNvSpPr/>
+          <p:nvPr/>
+        </p:nvSpPr>
+        <p:spPr>
+          <a:xfrm>
+            <a:off x="1150668" y="2075577"/>
+            <a:ext cx="7432336" cy="738664"/>
+          </a:xfrm>
+          <a:prstGeom prst="rect">
+            <a:avLst/>
+          </a:prstGeom>
+        </p:spPr>
+        <p:txBody>
+          <a:bodyPr wrap="square">
+            <a:spAutoFit/>
+          </a:bodyPr>
+          <a:lstStyle/>
+          <a:p>
+            <a:r>
+              <a:rPr lang="en-US" dirty="0">
+                <a:solidFill>
+                  <a:srgbClr val="111111"/>
+                </a:solidFill>
+                <a:latin typeface="Cambria" panose="02040503050406030204" pitchFamily="18" charset="0"/>
+                <a:ea typeface="Cambria" panose="02040503050406030204" pitchFamily="18" charset="0"/>
+              </a:rPr>
+              <a:t>The solution is designed using </a:t>
+            </a:r>
+            <a:r>
+              <a:rPr lang="en-US" b="1" dirty="0">
+                <a:solidFill>
+                  <a:srgbClr val="111111"/>
+                </a:solidFill>
+                <a:latin typeface="Cambria" panose="02040503050406030204" pitchFamily="18" charset="0"/>
+                <a:ea typeface="Cambria" panose="02040503050406030204" pitchFamily="18" charset="0"/>
+              </a:rPr>
+              <a:t>open-source</a:t>
+            </a:r>
+            <a:r>
+              <a:rPr lang="en-US" dirty="0">
+                <a:solidFill>
+                  <a:srgbClr val="111111"/>
+                </a:solidFill>
+                <a:latin typeface="Cambria" panose="02040503050406030204" pitchFamily="18" charset="0"/>
+                <a:ea typeface="Cambria" panose="02040503050406030204" pitchFamily="18" charset="0"/>
+              </a:rPr>
+              <a:t> technology, which means it can be </a:t>
+            </a:r>
+            <a:r>
+              <a:rPr lang="en-US" b="1" dirty="0">
+                <a:solidFill>
+                  <a:srgbClr val="111111"/>
+                </a:solidFill>
+                <a:latin typeface="Cambria" panose="02040503050406030204" pitchFamily="18" charset="0"/>
+                <a:ea typeface="Cambria" panose="02040503050406030204" pitchFamily="18" charset="0"/>
+              </a:rPr>
+              <a:t>easily developed and modified</a:t>
+            </a:r>
+            <a:r>
+              <a:rPr lang="en-US" dirty="0">
+                <a:solidFill>
+                  <a:srgbClr val="111111"/>
+                </a:solidFill>
+                <a:latin typeface="Cambria" panose="02040503050406030204" pitchFamily="18" charset="0"/>
+                <a:ea typeface="Cambria" panose="02040503050406030204" pitchFamily="18" charset="0"/>
+              </a:rPr>
+              <a:t> as per future requirements, and can be deployed </a:t>
+            </a:r>
+            <a:r>
+              <a:rPr lang="en-US" b="1" dirty="0">
+                <a:solidFill>
+                  <a:srgbClr val="111111"/>
+                </a:solidFill>
+                <a:latin typeface="Cambria" panose="02040503050406030204" pitchFamily="18" charset="0"/>
+                <a:ea typeface="Cambria" panose="02040503050406030204" pitchFamily="18" charset="0"/>
+              </a:rPr>
+              <a:t>both in cloud or on-prem server</a:t>
+            </a:r>
+            <a:r>
+              <a:rPr lang="en-US" dirty="0">
+                <a:solidFill>
+                  <a:srgbClr val="111111"/>
+                </a:solidFill>
+                <a:latin typeface="Cambria" panose="02040503050406030204" pitchFamily="18" charset="0"/>
+                <a:ea typeface="Cambria" panose="02040503050406030204" pitchFamily="18" charset="0"/>
+              </a:rPr>
+              <a:t> as well.</a:t>
+            </a:r>
+            <a:endParaRPr lang="en-IN" dirty="0">
+              <a:latin typeface="Cambria" panose="02040503050406030204" pitchFamily="18" charset="0"/>
+              <a:ea typeface="Cambria" panose="02040503050406030204" pitchFamily="18" charset="0"/>
+            </a:endParaRPr>
+          </a:p>
+        </p:txBody>
+      </p:sp>
+      <p:pic>
+        <p:nvPicPr>
+          <p:cNvPr id="1028" name="Picture 4" descr="Open source icon. Software with open code. Vector illustration Stock-vektor  | Adobe Stock">
+            <a:extLst>
+              <a:ext uri="{FF2B5EF4-FFF2-40B4-BE49-F238E27FC236}">
+                <a16:creationId xmlns:a16="http://schemas.microsoft.com/office/drawing/2014/main" id="{365A9CC3-E9D2-4749-BF00-B1E3CBE06C89}"/>
+              </a:ext>
+            </a:extLst>
+          </p:cNvPr>
+          <p:cNvPicPr>
+            <a:picLocks noChangeAspect="1" noChangeArrowheads="1"/>
+          </p:cNvPicPr>
+          <p:nvPr/>
+        </p:nvPicPr>
+        <p:blipFill rotWithShape="1">
+          <a:blip r:embed="rId5">
+            <a:extLst>
+              <a:ext uri="{28A0092B-C50C-407E-A947-70E740481C1C}">
+                <a14:useLocalDpi xmlns:a14="http://schemas.microsoft.com/office/drawing/2010/main" val="0"/>
+              </a:ext>
+            </a:extLst>
+          </a:blip>
+          <a:srcRect l="21556" t="20295" r="22548" b="13887"/>
+          <a:stretch/>
+        </p:blipFill>
+        <p:spPr bwMode="auto">
+          <a:xfrm>
+            <a:off x="457067" y="2088772"/>
+            <a:ext cx="596146" cy="701971"/>
+          </a:xfrm>
+          <a:prstGeom prst="rect">
+            <a:avLst/>
+          </a:prstGeom>
+          <a:noFill/>
+          <a:extLst>
+            <a:ext uri="{909E8E84-426E-40DD-AFC4-6F175D3DCCD1}">
+              <a14:hiddenFill xmlns:a14="http://schemas.microsoft.com/office/drawing/2010/main">
+                <a:solidFill>
+                  <a:srgbClr val="FFFFFF"/>
+                </a:solidFill>
+              </a14:hiddenFill>
+            </a:ext>
+          </a:extLst>
+        </p:spPr>
+      </p:pic>
+      <p:pic>
+        <p:nvPicPr>
+          <p:cNvPr id="1030" name="Picture 6" descr="Soa Service Oriented Architecture Acronym Stock Illustration - Download  Image Now - Acronym, Architecture, Business - iStock">
+            <a:extLst>
+              <a:ext uri="{FF2B5EF4-FFF2-40B4-BE49-F238E27FC236}">
+                <a16:creationId xmlns:a16="http://schemas.microsoft.com/office/drawing/2014/main" id="{F9078328-DEAA-43C8-A081-5BE4C06705F7}"/>
+              </a:ext>
+            </a:extLst>
+          </p:cNvPr>
+          <p:cNvPicPr>
+            <a:picLocks noChangeAspect="1" noChangeArrowheads="1"/>
+          </p:cNvPicPr>
+          <p:nvPr/>
+        </p:nvPicPr>
+        <p:blipFill rotWithShape="1">
+          <a:blip r:embed="rId6">
+            <a:extLst>
+              <a:ext uri="{28A0092B-C50C-407E-A947-70E740481C1C}">
+                <a14:useLocalDpi xmlns:a14="http://schemas.microsoft.com/office/drawing/2010/main" val="0"/>
+              </a:ext>
+            </a:extLst>
+          </a:blip>
+          <a:srcRect t="11171" b="9733"/>
+          <a:stretch/>
+        </p:blipFill>
+        <p:spPr bwMode="auto">
+          <a:xfrm>
+            <a:off x="359612" y="2965541"/>
+            <a:ext cx="791056" cy="625687"/>
+          </a:xfrm>
+          <a:prstGeom prst="rect">
+            <a:avLst/>
+          </a:prstGeom>
+          <a:noFill/>
+          <a:extLst>
+            <a:ext uri="{909E8E84-426E-40DD-AFC4-6F175D3DCCD1}">
+              <a14:hiddenFill xmlns:a14="http://schemas.microsoft.com/office/drawing/2010/main">
+                <a:solidFill>
+                  <a:srgbClr val="FFFFFF"/>
+                </a:solidFill>
+              </a14:hiddenFill>
+            </a:ext>
+          </a:extLst>
+        </p:spPr>
+      </p:pic>
+      <p:sp>
+        <p:nvSpPr>
+          <p:cNvPr id="8" name="Rectangle 7">
+            <a:extLst>
+              <a:ext uri="{FF2B5EF4-FFF2-40B4-BE49-F238E27FC236}">
+                <a16:creationId xmlns:a16="http://schemas.microsoft.com/office/drawing/2014/main" id="{54467BB3-C27C-47D6-BCE1-7A5F806022A6}"/>
+              </a:ext>
+            </a:extLst>
+          </p:cNvPr>
+          <p:cNvSpPr/>
+          <p:nvPr/>
+        </p:nvSpPr>
+        <p:spPr>
+          <a:xfrm>
+            <a:off x="1135137" y="3001134"/>
+            <a:ext cx="7324661" cy="523220"/>
+          </a:xfrm>
+          <a:prstGeom prst="rect">
+            <a:avLst/>
+          </a:prstGeom>
+        </p:spPr>
+        <p:txBody>
+          <a:bodyPr wrap="square">
+            <a:spAutoFit/>
+          </a:bodyPr>
+          <a:lstStyle/>
+          <a:p>
+            <a:r>
+              <a:rPr lang="en-US" dirty="0">
+                <a:solidFill>
+                  <a:srgbClr val="111111"/>
+                </a:solidFill>
+                <a:latin typeface="Cambria" panose="02040503050406030204" pitchFamily="18" charset="0"/>
+                <a:ea typeface="Cambria" panose="02040503050406030204" pitchFamily="18" charset="0"/>
+              </a:rPr>
+              <a:t>The solution architecture is </a:t>
+            </a:r>
+            <a:r>
+              <a:rPr lang="en-US" b="1" dirty="0">
+                <a:solidFill>
+                  <a:srgbClr val="111111"/>
+                </a:solidFill>
+                <a:latin typeface="Cambria" panose="02040503050406030204" pitchFamily="18" charset="0"/>
+                <a:ea typeface="Cambria" panose="02040503050406030204" pitchFamily="18" charset="0"/>
+              </a:rPr>
+              <a:t>modular and service-oriented</a:t>
+            </a:r>
+            <a:r>
+              <a:rPr lang="en-US" dirty="0">
+                <a:solidFill>
+                  <a:srgbClr val="111111"/>
+                </a:solidFill>
+                <a:latin typeface="Cambria" panose="02040503050406030204" pitchFamily="18" charset="0"/>
+                <a:ea typeface="Cambria" panose="02040503050406030204" pitchFamily="18" charset="0"/>
+              </a:rPr>
+              <a:t>, each module can be modified and upgraded without disturbing the rest of the processes.</a:t>
+            </a:r>
+            <a:endParaRPr lang="en-IN" dirty="0">
+              <a:latin typeface="Cambria" panose="02040503050406030204" pitchFamily="18" charset="0"/>
+              <a:ea typeface="Cambria" panose="02040503050406030204" pitchFamily="18" charset="0"/>
+            </a:endParaRPr>
+          </a:p>
+        </p:txBody>
+      </p:sp>
+      <p:pic>
+        <p:nvPicPr>
+          <p:cNvPr id="1032" name="Picture 8" descr="Data Governance | Denodo">
+            <a:extLst>
+              <a:ext uri="{FF2B5EF4-FFF2-40B4-BE49-F238E27FC236}">
+                <a16:creationId xmlns:a16="http://schemas.microsoft.com/office/drawing/2014/main" id="{C481E63D-7F69-42D7-BCFE-849FC6C5C3B8}"/>
+              </a:ext>
+            </a:extLst>
+          </p:cNvPr>
+          <p:cNvPicPr>
+            <a:picLocks noChangeAspect="1" noChangeArrowheads="1"/>
+          </p:cNvPicPr>
+          <p:nvPr/>
+        </p:nvPicPr>
+        <p:blipFill>
+          <a:blip r:embed="rId7">
+            <a:extLst>
+              <a:ext uri="{28A0092B-C50C-407E-A947-70E740481C1C}">
+                <a14:useLocalDpi xmlns:a14="http://schemas.microsoft.com/office/drawing/2010/main" val="0"/>
+              </a:ext>
+            </a:extLst>
+          </a:blip>
+          <a:srcRect/>
+          <a:stretch>
+            <a:fillRect/>
+          </a:stretch>
+        </p:blipFill>
+        <p:spPr bwMode="auto">
+          <a:xfrm>
+            <a:off x="432970" y="3766027"/>
+            <a:ext cx="644340" cy="737690"/>
+          </a:xfrm>
+          <a:prstGeom prst="rect">
+            <a:avLst/>
+          </a:prstGeom>
+          <a:noFill/>
+          <a:extLst>
+            <a:ext uri="{909E8E84-426E-40DD-AFC4-6F175D3DCCD1}">
+              <a14:hiddenFill xmlns:a14="http://schemas.microsoft.com/office/drawing/2010/main">
+                <a:solidFill>
+                  <a:srgbClr val="FFFFFF"/>
+                </a:solidFill>
+              </a14:hiddenFill>
+            </a:ext>
+          </a:extLst>
+        </p:spPr>
+      </p:pic>
+      <p:sp>
+        <p:nvSpPr>
+          <p:cNvPr id="9" name="Rectangle 8">
+            <a:extLst>
+              <a:ext uri="{FF2B5EF4-FFF2-40B4-BE49-F238E27FC236}">
+                <a16:creationId xmlns:a16="http://schemas.microsoft.com/office/drawing/2014/main" id="{7EACCD7C-BE0D-4B79-B123-E6ACCA7BF2C3}"/>
+              </a:ext>
+            </a:extLst>
+          </p:cNvPr>
+          <p:cNvSpPr/>
+          <p:nvPr/>
+        </p:nvSpPr>
+        <p:spPr>
+          <a:xfrm>
+            <a:off x="1135137" y="3869769"/>
+            <a:ext cx="7276749" cy="523220"/>
+          </a:xfrm>
+          <a:prstGeom prst="rect">
+            <a:avLst/>
+          </a:prstGeom>
+        </p:spPr>
+        <p:txBody>
+          <a:bodyPr wrap="square">
+            <a:spAutoFit/>
+          </a:bodyPr>
+          <a:lstStyle/>
+          <a:p>
+            <a:r>
+              <a:rPr lang="en-US" dirty="0">
+                <a:solidFill>
+                  <a:srgbClr val="111111"/>
+                </a:solidFill>
+                <a:latin typeface="Cambria" panose="02040503050406030204" pitchFamily="18" charset="0"/>
+                <a:ea typeface="Cambria" panose="02040503050406030204" pitchFamily="18" charset="0"/>
+              </a:rPr>
+              <a:t>This solution grants users </a:t>
+            </a:r>
+            <a:r>
+              <a:rPr lang="en-US" b="1" dirty="0">
+                <a:solidFill>
+                  <a:srgbClr val="111111"/>
+                </a:solidFill>
+                <a:latin typeface="Cambria" panose="02040503050406030204" pitchFamily="18" charset="0"/>
+                <a:ea typeface="Cambria" panose="02040503050406030204" pitchFamily="18" charset="0"/>
+              </a:rPr>
+              <a:t>full control and ownership of their data</a:t>
+            </a:r>
+            <a:r>
+              <a:rPr lang="en-US" dirty="0">
+                <a:solidFill>
+                  <a:srgbClr val="111111"/>
+                </a:solidFill>
+                <a:latin typeface="Cambria" panose="02040503050406030204" pitchFamily="18" charset="0"/>
+                <a:ea typeface="Cambria" panose="02040503050406030204" pitchFamily="18" charset="0"/>
+              </a:rPr>
+              <a:t>, enabling its use for both diagnostic and predictive analytics in the future.</a:t>
+            </a:r>
+            <a:endParaRPr lang="en-IN" dirty="0">
+              <a:latin typeface="Cambria" panose="02040503050406030204" pitchFamily="18" charset="0"/>
+              <a:ea typeface="Cambria" panose="02040503050406030204" pitchFamily="18" charset="0"/>
             </a:endParaRPr>
           </a:p>
         </p:txBody>
@@ -18485,6 +19362,278 @@
           </a:p>
         </p:txBody>
       </p:sp>
+      <p:sp>
+        <p:nvSpPr>
+          <p:cNvPr id="2" name="TextBox 1">
+            <a:extLst>
+              <a:ext uri="{FF2B5EF4-FFF2-40B4-BE49-F238E27FC236}">
+                <a16:creationId xmlns:a16="http://schemas.microsoft.com/office/drawing/2014/main" id="{E1B2EDC6-A19B-4C98-9690-CE91DD9F3A4E}"/>
+              </a:ext>
+            </a:extLst>
+          </p:cNvPr>
+          <p:cNvSpPr txBox="1"/>
+          <p:nvPr/>
+        </p:nvSpPr>
+        <p:spPr>
+          <a:xfrm>
+            <a:off x="311700" y="1251013"/>
+            <a:ext cx="8468149" cy="3323987"/>
+          </a:xfrm>
+          <a:prstGeom prst="rect">
+            <a:avLst/>
+          </a:prstGeom>
+          <a:solidFill>
+            <a:schemeClr val="accent1">
+              <a:lumMod val="20000"/>
+              <a:lumOff val="80000"/>
+            </a:schemeClr>
+          </a:solidFill>
+        </p:spPr>
+        <p:txBody>
+          <a:bodyPr wrap="square" rtlCol="0">
+            <a:spAutoFit/>
+          </a:bodyPr>
+          <a:lstStyle/>
+          <a:p>
+            <a:pPr marL="285750" indent="-285750">
+              <a:buFont typeface="Arial" panose="020B0604020202020204" pitchFamily="34" charset="0"/>
+              <a:buChar char="•"/>
+            </a:pPr>
+            <a:r>
+              <a:rPr lang="en-US" dirty="0">
+                <a:latin typeface="Calibri" panose="020F0502020204030204" pitchFamily="34" charset="0"/>
+                <a:cs typeface="Calibri" panose="020F0502020204030204" pitchFamily="34" charset="0"/>
+              </a:rPr>
+              <a:t>To implement the Prototype, </a:t>
+            </a:r>
+            <a:r>
+              <a:rPr lang="en-US" b="1" dirty="0">
+                <a:solidFill>
+                  <a:srgbClr val="2F49AF"/>
+                </a:solidFill>
+                <a:latin typeface="Calibri" panose="020F0502020204030204" pitchFamily="34" charset="0"/>
+                <a:cs typeface="Calibri" panose="020F0502020204030204" pitchFamily="34" charset="0"/>
+              </a:rPr>
+              <a:t>Sample source data have been generated by AI</a:t>
+            </a:r>
+            <a:r>
+              <a:rPr lang="en-US" dirty="0">
+                <a:latin typeface="Calibri" panose="020F0502020204030204" pitchFamily="34" charset="0"/>
+                <a:cs typeface="Calibri" panose="020F0502020204030204" pitchFamily="34" charset="0"/>
+              </a:rPr>
+              <a:t>, which mimics any real life social media post.</a:t>
+            </a:r>
+          </a:p>
+          <a:p>
+            <a:pPr marL="285750" indent="-285750">
+              <a:buFont typeface="Arial" panose="020B0604020202020204" pitchFamily="34" charset="0"/>
+              <a:buChar char="•"/>
+            </a:pPr>
+            <a:r>
+              <a:rPr lang="en-US" dirty="0">
+                <a:latin typeface="Calibri" panose="020F0502020204030204" pitchFamily="34" charset="0"/>
+                <a:cs typeface="Calibri" panose="020F0502020204030204" pitchFamily="34" charset="0"/>
+              </a:rPr>
+              <a:t>The source data is then </a:t>
+            </a:r>
+            <a:r>
+              <a:rPr lang="en-US" b="1" dirty="0">
+                <a:solidFill>
+                  <a:srgbClr val="2F49AF"/>
+                </a:solidFill>
+                <a:latin typeface="Calibri" panose="020F0502020204030204" pitchFamily="34" charset="0"/>
+                <a:cs typeface="Calibri" panose="020F0502020204030204" pitchFamily="34" charset="0"/>
+              </a:rPr>
+              <a:t>processed with OpenAI GPT-3.5 API </a:t>
+            </a:r>
+            <a:r>
+              <a:rPr lang="en-US" dirty="0">
+                <a:latin typeface="Calibri" panose="020F0502020204030204" pitchFamily="34" charset="0"/>
+                <a:cs typeface="Calibri" panose="020F0502020204030204" pitchFamily="34" charset="0"/>
+              </a:rPr>
+              <a:t>to extract relevant information from them and stored in a local database.</a:t>
+            </a:r>
+          </a:p>
+          <a:p>
+            <a:pPr marL="285750" indent="-285750">
+              <a:buFont typeface="Arial" panose="020B0604020202020204" pitchFamily="34" charset="0"/>
+              <a:buChar char="•"/>
+            </a:pPr>
+            <a:r>
+              <a:rPr lang="en-US" dirty="0">
+                <a:latin typeface="Calibri" panose="020F0502020204030204" pitchFamily="34" charset="0"/>
+                <a:cs typeface="Calibri" panose="020F0502020204030204" pitchFamily="34" charset="0"/>
+              </a:rPr>
+              <a:t>That data is being displayed in a </a:t>
+            </a:r>
+            <a:r>
+              <a:rPr lang="en-US" b="1" dirty="0">
+                <a:solidFill>
+                  <a:srgbClr val="2F49AF"/>
+                </a:solidFill>
+                <a:latin typeface="Calibri" panose="020F0502020204030204" pitchFamily="34" charset="0"/>
+                <a:cs typeface="Calibri" panose="020F0502020204030204" pitchFamily="34" charset="0"/>
+              </a:rPr>
+              <a:t>Power BI dashboard </a:t>
+            </a:r>
+            <a:r>
+              <a:rPr lang="en-US" dirty="0">
+                <a:latin typeface="Calibri" panose="020F0502020204030204" pitchFamily="34" charset="0"/>
+                <a:cs typeface="Calibri" panose="020F0502020204030204" pitchFamily="34" charset="0"/>
+              </a:rPr>
+              <a:t>in the form of </a:t>
+            </a:r>
+            <a:r>
+              <a:rPr lang="en-US" b="1" dirty="0">
+                <a:solidFill>
+                  <a:srgbClr val="2F49AF"/>
+                </a:solidFill>
+                <a:latin typeface="Calibri" panose="020F0502020204030204" pitchFamily="34" charset="0"/>
+                <a:cs typeface="Calibri" panose="020F0502020204030204" pitchFamily="34" charset="0"/>
+              </a:rPr>
+              <a:t>useful and relevant KPIs</a:t>
+            </a:r>
+            <a:r>
+              <a:rPr lang="en-US" b="1" dirty="0">
+                <a:latin typeface="Calibri" panose="020F0502020204030204" pitchFamily="34" charset="0"/>
+                <a:cs typeface="Calibri" panose="020F0502020204030204" pitchFamily="34" charset="0"/>
+              </a:rPr>
+              <a:t>.</a:t>
+            </a:r>
+          </a:p>
+          <a:p>
+            <a:pPr marL="285750" indent="-285750">
+              <a:buFont typeface="Arial" panose="020B0604020202020204" pitchFamily="34" charset="0"/>
+              <a:buChar char="•"/>
+            </a:pPr>
+            <a:r>
+              <a:rPr lang="en-US" dirty="0">
+                <a:latin typeface="Calibri" panose="020F0502020204030204" pitchFamily="34" charset="0"/>
+                <a:cs typeface="Calibri" panose="020F0502020204030204" pitchFamily="34" charset="0"/>
+              </a:rPr>
+              <a:t>Additional </a:t>
+            </a:r>
+            <a:r>
+              <a:rPr lang="en-US" b="1" dirty="0">
+                <a:solidFill>
+                  <a:srgbClr val="2F49AF"/>
+                </a:solidFill>
+                <a:latin typeface="Calibri" panose="020F0502020204030204" pitchFamily="34" charset="0"/>
+                <a:cs typeface="Calibri" panose="020F0502020204030204" pitchFamily="34" charset="0"/>
+              </a:rPr>
+              <a:t>data regarding Police personnel details have also been generated by AI</a:t>
+            </a:r>
+            <a:r>
+              <a:rPr lang="en-US" b="1" dirty="0">
+                <a:latin typeface="Calibri" panose="020F0502020204030204" pitchFamily="34" charset="0"/>
+                <a:cs typeface="Calibri" panose="020F0502020204030204" pitchFamily="34" charset="0"/>
+              </a:rPr>
+              <a:t> </a:t>
+            </a:r>
+            <a:r>
+              <a:rPr lang="en-US" dirty="0">
+                <a:latin typeface="Calibri" panose="020F0502020204030204" pitchFamily="34" charset="0"/>
+                <a:cs typeface="Calibri" panose="020F0502020204030204" pitchFamily="34" charset="0"/>
+              </a:rPr>
+              <a:t>to display in the dashboard.</a:t>
+            </a:r>
+          </a:p>
+          <a:p>
+            <a:pPr marL="285750" indent="-285750">
+              <a:buFont typeface="Arial" panose="020B0604020202020204" pitchFamily="34" charset="0"/>
+              <a:buChar char="•"/>
+            </a:pPr>
+            <a:r>
+              <a:rPr lang="en-US" dirty="0">
+                <a:latin typeface="Calibri" panose="020F0502020204030204" pitchFamily="34" charset="0"/>
+                <a:cs typeface="Calibri" panose="020F0502020204030204" pitchFamily="34" charset="0"/>
+              </a:rPr>
+              <a:t>The whole </a:t>
+            </a:r>
+            <a:r>
+              <a:rPr lang="en-US" b="1" dirty="0">
+                <a:solidFill>
+                  <a:srgbClr val="2F49AF"/>
+                </a:solidFill>
+                <a:latin typeface="Calibri" panose="020F0502020204030204" pitchFamily="34" charset="0"/>
+                <a:cs typeface="Calibri" panose="020F0502020204030204" pitchFamily="34" charset="0"/>
+              </a:rPr>
+              <a:t>data processing steps are automated using python</a:t>
+            </a:r>
+            <a:r>
+              <a:rPr lang="en-US" b="1" dirty="0">
+                <a:latin typeface="Calibri" panose="020F0502020204030204" pitchFamily="34" charset="0"/>
+                <a:cs typeface="Calibri" panose="020F0502020204030204" pitchFamily="34" charset="0"/>
+              </a:rPr>
+              <a:t> </a:t>
+            </a:r>
+            <a:r>
+              <a:rPr lang="en-US" dirty="0">
+                <a:latin typeface="Calibri" panose="020F0502020204030204" pitchFamily="34" charset="0"/>
+                <a:cs typeface="Calibri" panose="020F0502020204030204" pitchFamily="34" charset="0"/>
+              </a:rPr>
+              <a:t>programming and the corresponding codes are shared in the GitHub repository.</a:t>
+            </a:r>
+          </a:p>
+          <a:p>
+            <a:pPr marL="285750" indent="-285750">
+              <a:buFont typeface="Arial" panose="020B0604020202020204" pitchFamily="34" charset="0"/>
+              <a:buChar char="•"/>
+            </a:pPr>
+            <a:r>
+              <a:rPr lang="en-US" dirty="0">
+                <a:latin typeface="Calibri" panose="020F0502020204030204" pitchFamily="34" charset="0"/>
+                <a:cs typeface="Calibri" panose="020F0502020204030204" pitchFamily="34" charset="0"/>
+              </a:rPr>
+              <a:t>While the prototype have been developed using OpenAI API services, it can be </a:t>
+            </a:r>
+            <a:r>
+              <a:rPr lang="en-US" b="1" dirty="0">
+                <a:solidFill>
+                  <a:srgbClr val="2F49AF"/>
+                </a:solidFill>
+                <a:latin typeface="Calibri" panose="020F0502020204030204" pitchFamily="34" charset="0"/>
+                <a:cs typeface="Calibri" panose="020F0502020204030204" pitchFamily="34" charset="0"/>
+              </a:rPr>
+              <a:t>easily replaced by any open source language model</a:t>
+            </a:r>
+            <a:r>
+              <a:rPr lang="en-US" dirty="0">
+                <a:latin typeface="Calibri" panose="020F0502020204030204" pitchFamily="34" charset="0"/>
+                <a:cs typeface="Calibri" panose="020F0502020204030204" pitchFamily="34" charset="0"/>
+              </a:rPr>
+              <a:t>, provided the relevant data sets are available for training the models.</a:t>
+            </a:r>
+          </a:p>
+          <a:p>
+            <a:pPr marL="285750" indent="-285750">
+              <a:buFont typeface="Arial" panose="020B0604020202020204" pitchFamily="34" charset="0"/>
+              <a:buChar char="•"/>
+            </a:pPr>
+            <a:endParaRPr lang="en-IN" dirty="0">
+              <a:latin typeface="Calibri" panose="020F0502020204030204" pitchFamily="34" charset="0"/>
+              <a:cs typeface="Calibri" panose="020F0502020204030204" pitchFamily="34" charset="0"/>
+            </a:endParaRPr>
+          </a:p>
+          <a:p>
+            <a:pPr marL="285750" indent="-285750">
+              <a:buFont typeface="Arial" panose="020B0604020202020204" pitchFamily="34" charset="0"/>
+              <a:buChar char="•"/>
+            </a:pPr>
+            <a:r>
+              <a:rPr lang="en-IN" dirty="0">
+                <a:latin typeface="Calibri" panose="020F0502020204030204" pitchFamily="34" charset="0"/>
+                <a:cs typeface="Calibri" panose="020F0502020204030204" pitchFamily="34" charset="0"/>
+              </a:rPr>
+              <a:t>As the social media APIs are a paid service and no no-cost options are available, the data ingestion process though Kafka streaming couldn’t be implemented in the prototype phase, but it will be a crucial part of the final product implementation.</a:t>
+            </a:r>
+            <a:endParaRPr lang="en-US" dirty="0">
+              <a:latin typeface="Calibri" panose="020F0502020204030204" pitchFamily="34" charset="0"/>
+              <a:cs typeface="Calibri" panose="020F0502020204030204" pitchFamily="34" charset="0"/>
+            </a:endParaRPr>
+          </a:p>
+        </p:txBody>
+      </p:sp>
     </p:spTree>
   </p:cSld>
   <p:clrMapOvr>
@@ -18639,24 +19788,16 @@
           </a:bodyPr>
           <a:lstStyle/>
           <a:p>
-            <a:pPr marL="0" lvl="0" indent="0" algn="l" rtl="0">
-              <a:spcBef>
-                <a:spcPts val="0"/>
-              </a:spcBef>
-              <a:spcAft>
-                <a:spcPts val="0"/>
-              </a:spcAft>
-              <a:buNone/>
-            </a:pPr>
+            <a:pPr lvl="0"/>
             <a:r>
-              <a:rPr lang="en-GB" sz="1800">
+              <a:rPr lang="en-GB" sz="1800" dirty="0">
                 <a:solidFill>
                   <a:schemeClr val="dk2"/>
                 </a:solidFill>
               </a:rPr>
-              <a:t>Benchmarking (If Any)</a:t>
+              <a:t>Future Scope/Scale Up Plan</a:t>
             </a:r>
-            <a:endParaRPr sz="1800">
+            <a:endParaRPr sz="1800" dirty="0">
               <a:solidFill>
                 <a:schemeClr val="dk2"/>
               </a:solidFill>
@@ -18664,6 +19805,672 @@
           </a:p>
         </p:txBody>
       </p:sp>
+      <p:sp>
+        <p:nvSpPr>
+          <p:cNvPr id="8" name="Rectangle 7">
+            <a:extLst>
+              <a:ext uri="{FF2B5EF4-FFF2-40B4-BE49-F238E27FC236}">
+                <a16:creationId xmlns:a16="http://schemas.microsoft.com/office/drawing/2014/main" id="{EE397C8E-29F8-4943-A40D-A9F02D09047E}"/>
+              </a:ext>
+            </a:extLst>
+          </p:cNvPr>
+          <p:cNvSpPr/>
+          <p:nvPr/>
+        </p:nvSpPr>
+        <p:spPr>
+          <a:xfrm>
+            <a:off x="1004306" y="3536309"/>
+            <a:ext cx="1512756" cy="1186733"/>
+          </a:xfrm>
+          <a:prstGeom prst="rect">
+            <a:avLst/>
+          </a:prstGeom>
+          <a:solidFill>
+            <a:srgbClr val="FFF7EB"/>
+          </a:solidFill>
+        </p:spPr>
+        <p:style>
+          <a:lnRef idx="2">
+            <a:schemeClr val="accent1">
+              <a:shade val="50000"/>
+            </a:schemeClr>
+          </a:lnRef>
+          <a:fillRef idx="1">
+            <a:schemeClr val="accent1"/>
+          </a:fillRef>
+          <a:effectRef idx="0">
+            <a:schemeClr val="accent1"/>
+          </a:effectRef>
+          <a:fontRef idx="minor">
+            <a:schemeClr val="lt1"/>
+          </a:fontRef>
+        </p:style>
+        <p:txBody>
+          <a:bodyPr rtlCol="0" anchor="ctr"/>
+          <a:lstStyle/>
+          <a:p>
+            <a:pPr algn="ctr"/>
+            <a:endParaRPr lang="en-US" sz="1200" dirty="0"/>
+          </a:p>
+          <a:p>
+            <a:pPr algn="ctr"/>
+            <a:endParaRPr lang="en-US" sz="1200" dirty="0">
+              <a:solidFill>
+                <a:schemeClr val="tx1"/>
+              </a:solidFill>
+            </a:endParaRPr>
+          </a:p>
+          <a:p>
+            <a:pPr algn="ctr"/>
+            <a:r>
+              <a:rPr lang="en-US" sz="1000" dirty="0">
+                <a:solidFill>
+                  <a:schemeClr val="tx1"/>
+                </a:solidFill>
+              </a:rPr>
+              <a:t>Including Support for Regional Languages to Analyze Larger number of Posts</a:t>
+            </a:r>
+            <a:endParaRPr lang="en-US" sz="1050" dirty="0">
+              <a:solidFill>
+                <a:schemeClr val="tx1"/>
+              </a:solidFill>
+            </a:endParaRPr>
+          </a:p>
+        </p:txBody>
+      </p:sp>
+      <p:sp>
+        <p:nvSpPr>
+          <p:cNvPr id="9" name="Rectangle 8">
+            <a:extLst>
+              <a:ext uri="{FF2B5EF4-FFF2-40B4-BE49-F238E27FC236}">
+                <a16:creationId xmlns:a16="http://schemas.microsoft.com/office/drawing/2014/main" id="{2CBEE387-135F-41F2-9B7E-012170526BB8}"/>
+              </a:ext>
+            </a:extLst>
+          </p:cNvPr>
+          <p:cNvSpPr/>
+          <p:nvPr/>
+        </p:nvSpPr>
+        <p:spPr>
+          <a:xfrm>
+            <a:off x="952340" y="3520206"/>
+            <a:ext cx="1616689" cy="461665"/>
+          </a:xfrm>
+          <a:prstGeom prst="rect">
+            <a:avLst/>
+          </a:prstGeom>
+        </p:spPr>
+        <p:txBody>
+          <a:bodyPr wrap="square">
+            <a:spAutoFit/>
+          </a:bodyPr>
+          <a:lstStyle/>
+          <a:p>
+            <a:pPr algn="ctr"/>
+            <a:r>
+              <a:rPr lang="en-US" sz="1200" b="1" dirty="0">
+                <a:solidFill>
+                  <a:srgbClr val="4472C4"/>
+                </a:solidFill>
+              </a:rPr>
+              <a:t>Additional Language Support</a:t>
+            </a:r>
+            <a:endParaRPr lang="en-IN" sz="1200" dirty="0">
+              <a:solidFill>
+                <a:srgbClr val="4472C4"/>
+              </a:solidFill>
+            </a:endParaRPr>
+          </a:p>
+        </p:txBody>
+      </p:sp>
+      <p:pic>
+        <p:nvPicPr>
+          <p:cNvPr id="16" name="Picture 2" descr="238+ Thousand Curved Arrow Royalty-Free Images, Stock Photos &amp; Pictures |  Shutterstock">
+            <a:extLst>
+              <a:ext uri="{FF2B5EF4-FFF2-40B4-BE49-F238E27FC236}">
+                <a16:creationId xmlns:a16="http://schemas.microsoft.com/office/drawing/2014/main" id="{C3602864-97CF-4D52-AFD7-A01870439B5F}"/>
+              </a:ext>
+            </a:extLst>
+          </p:cNvPr>
+          <p:cNvPicPr>
+            <a:picLocks noChangeAspect="1" noChangeArrowheads="1"/>
+          </p:cNvPicPr>
+          <p:nvPr/>
+        </p:nvPicPr>
+        <p:blipFill rotWithShape="1">
+          <a:blip r:embed="rId4">
+            <a:extLst>
+              <a:ext uri="{28A0092B-C50C-407E-A947-70E740481C1C}">
+                <a14:useLocalDpi xmlns:a14="http://schemas.microsoft.com/office/drawing/2010/main" val="0"/>
+              </a:ext>
+            </a:extLst>
+          </a:blip>
+          <a:srcRect l="23709" t="22219" r="16251" b="23055"/>
+          <a:stretch/>
+        </p:blipFill>
+        <p:spPr bwMode="auto">
+          <a:xfrm>
+            <a:off x="2354624" y="3095266"/>
+            <a:ext cx="428809" cy="417881"/>
+          </a:xfrm>
+          <a:prstGeom prst="rect">
+            <a:avLst/>
+          </a:prstGeom>
+          <a:noFill/>
+          <a:extLst>
+            <a:ext uri="{909E8E84-426E-40DD-AFC4-6F175D3DCCD1}">
+              <a14:hiddenFill xmlns:a14="http://schemas.microsoft.com/office/drawing/2010/main">
+                <a:solidFill>
+                  <a:srgbClr val="FFFFFF"/>
+                </a:solidFill>
+              </a14:hiddenFill>
+            </a:ext>
+          </a:extLst>
+        </p:spPr>
+      </p:pic>
+      <p:grpSp>
+        <p:nvGrpSpPr>
+          <p:cNvPr id="2" name="Group 1">
+            <a:extLst>
+              <a:ext uri="{FF2B5EF4-FFF2-40B4-BE49-F238E27FC236}">
+                <a16:creationId xmlns:a16="http://schemas.microsoft.com/office/drawing/2014/main" id="{5CD52AF3-2617-4A13-A13C-CC96EF516499}"/>
+              </a:ext>
+            </a:extLst>
+          </p:cNvPr>
+          <p:cNvGrpSpPr/>
+          <p:nvPr/>
+        </p:nvGrpSpPr>
+        <p:grpSpPr>
+          <a:xfrm>
+            <a:off x="2550171" y="2702638"/>
+            <a:ext cx="1985036" cy="1236712"/>
+            <a:chOff x="2544167" y="2789517"/>
+            <a:chExt cx="1985036" cy="1236712"/>
+          </a:xfrm>
+        </p:grpSpPr>
+        <p:sp>
+          <p:nvSpPr>
+            <p:cNvPr id="20" name="Rectangle 19">
+              <a:extLst>
+                <a:ext uri="{FF2B5EF4-FFF2-40B4-BE49-F238E27FC236}">
+                  <a16:creationId xmlns:a16="http://schemas.microsoft.com/office/drawing/2014/main" id="{76BE8012-7FA4-4043-94F8-98564FD0BC7F}"/>
+                </a:ext>
+              </a:extLst>
+            </p:cNvPr>
+            <p:cNvSpPr/>
+            <p:nvPr/>
+          </p:nvSpPr>
+          <p:spPr>
+            <a:xfrm>
+              <a:off x="2780307" y="2839496"/>
+              <a:ext cx="1512756" cy="1186733"/>
+            </a:xfrm>
+            <a:prstGeom prst="rect">
+              <a:avLst/>
+            </a:prstGeom>
+            <a:solidFill>
+              <a:srgbClr val="FFF7EB"/>
+            </a:solidFill>
+          </p:spPr>
+          <p:style>
+            <a:lnRef idx="2">
+              <a:schemeClr val="accent1">
+                <a:shade val="50000"/>
+              </a:schemeClr>
+            </a:lnRef>
+            <a:fillRef idx="1">
+              <a:schemeClr val="accent1"/>
+            </a:fillRef>
+            <a:effectRef idx="0">
+              <a:schemeClr val="accent1"/>
+            </a:effectRef>
+            <a:fontRef idx="minor">
+              <a:schemeClr val="lt1"/>
+            </a:fontRef>
+          </p:style>
+          <p:txBody>
+            <a:bodyPr rtlCol="0" anchor="ctr"/>
+            <a:lstStyle/>
+            <a:p>
+              <a:pPr algn="ctr"/>
+              <a:endParaRPr lang="en-US" sz="1200" dirty="0"/>
+            </a:p>
+            <a:p>
+              <a:pPr algn="ctr"/>
+              <a:endParaRPr lang="en-US" sz="1200" dirty="0">
+                <a:solidFill>
+                  <a:schemeClr val="tx1"/>
+                </a:solidFill>
+              </a:endParaRPr>
+            </a:p>
+            <a:p>
+              <a:pPr algn="ctr"/>
+              <a:r>
+                <a:rPr lang="en-US" sz="1000" dirty="0">
+                  <a:solidFill>
+                    <a:schemeClr val="tx1"/>
+                  </a:solidFill>
+                </a:rPr>
+                <a:t>Identify and Extract Additional Information from the SM Posts to Enable Improved Analysis </a:t>
+              </a:r>
+              <a:endParaRPr lang="en-IN" sz="1000" dirty="0">
+                <a:solidFill>
+                  <a:schemeClr val="tx1"/>
+                </a:solidFill>
+              </a:endParaRPr>
+            </a:p>
+          </p:txBody>
+        </p:sp>
+        <p:sp>
+          <p:nvSpPr>
+            <p:cNvPr id="10" name="Rectangle 9">
+              <a:extLst>
+                <a:ext uri="{FF2B5EF4-FFF2-40B4-BE49-F238E27FC236}">
+                  <a16:creationId xmlns:a16="http://schemas.microsoft.com/office/drawing/2014/main" id="{629A62C2-577A-4924-9BD4-4BB3FCD7F28B}"/>
+                </a:ext>
+              </a:extLst>
+            </p:cNvPr>
+            <p:cNvSpPr/>
+            <p:nvPr/>
+          </p:nvSpPr>
+          <p:spPr>
+            <a:xfrm>
+              <a:off x="2544167" y="2789517"/>
+              <a:ext cx="1985036" cy="461665"/>
+            </a:xfrm>
+            <a:prstGeom prst="rect">
+              <a:avLst/>
+            </a:prstGeom>
+          </p:spPr>
+          <p:txBody>
+            <a:bodyPr wrap="square">
+              <a:spAutoFit/>
+            </a:bodyPr>
+            <a:lstStyle/>
+            <a:p>
+              <a:pPr algn="ctr"/>
+              <a:r>
+                <a:rPr lang="en-US" sz="1200" b="1" dirty="0">
+                  <a:solidFill>
+                    <a:srgbClr val="4472C4"/>
+                  </a:solidFill>
+                </a:rPr>
+                <a:t>Enhanced Data Extraction Rules</a:t>
+              </a:r>
+              <a:endParaRPr lang="en-IN" sz="1200" dirty="0">
+                <a:solidFill>
+                  <a:srgbClr val="4472C4"/>
+                </a:solidFill>
+              </a:endParaRPr>
+            </a:p>
+          </p:txBody>
+        </p:sp>
+      </p:grpSp>
+      <p:pic>
+        <p:nvPicPr>
+          <p:cNvPr id="24" name="Picture 2" descr="238+ Thousand Curved Arrow Royalty-Free Images, Stock Photos &amp; Pictures |  Shutterstock">
+            <a:extLst>
+              <a:ext uri="{FF2B5EF4-FFF2-40B4-BE49-F238E27FC236}">
+                <a16:creationId xmlns:a16="http://schemas.microsoft.com/office/drawing/2014/main" id="{E7C0F03C-CDBC-4EE5-BD9F-72737447782E}"/>
+              </a:ext>
+            </a:extLst>
+          </p:cNvPr>
+          <p:cNvPicPr>
+            <a:picLocks noChangeAspect="1" noChangeArrowheads="1"/>
+          </p:cNvPicPr>
+          <p:nvPr/>
+        </p:nvPicPr>
+        <p:blipFill rotWithShape="1">
+          <a:blip r:embed="rId4">
+            <a:extLst>
+              <a:ext uri="{28A0092B-C50C-407E-A947-70E740481C1C}">
+                <a14:useLocalDpi xmlns:a14="http://schemas.microsoft.com/office/drawing/2010/main" val="0"/>
+              </a:ext>
+            </a:extLst>
+          </a:blip>
+          <a:srcRect l="23709" t="22219" r="16251" b="23055"/>
+          <a:stretch/>
+        </p:blipFill>
+        <p:spPr bwMode="auto">
+          <a:xfrm>
+            <a:off x="4054433" y="2311036"/>
+            <a:ext cx="428809" cy="417881"/>
+          </a:xfrm>
+          <a:prstGeom prst="rect">
+            <a:avLst/>
+          </a:prstGeom>
+          <a:noFill/>
+          <a:extLst>
+            <a:ext uri="{909E8E84-426E-40DD-AFC4-6F175D3DCCD1}">
+              <a14:hiddenFill xmlns:a14="http://schemas.microsoft.com/office/drawing/2010/main">
+                <a:solidFill>
+                  <a:srgbClr val="FFFFFF"/>
+                </a:solidFill>
+              </a14:hiddenFill>
+            </a:ext>
+          </a:extLst>
+        </p:spPr>
+      </p:pic>
+      <p:grpSp>
+        <p:nvGrpSpPr>
+          <p:cNvPr id="3" name="Group 2">
+            <a:extLst>
+              <a:ext uri="{FF2B5EF4-FFF2-40B4-BE49-F238E27FC236}">
+                <a16:creationId xmlns:a16="http://schemas.microsoft.com/office/drawing/2014/main" id="{6F6ED5D9-B1A8-4245-9AEC-C34290EE941D}"/>
+              </a:ext>
+            </a:extLst>
+          </p:cNvPr>
+          <p:cNvGrpSpPr/>
+          <p:nvPr/>
+        </p:nvGrpSpPr>
+        <p:grpSpPr>
+          <a:xfrm>
+            <a:off x="4410081" y="1933501"/>
+            <a:ext cx="1721659" cy="1208923"/>
+            <a:chOff x="4424752" y="3047832"/>
+            <a:chExt cx="1721659" cy="1208923"/>
+          </a:xfrm>
+        </p:grpSpPr>
+        <p:sp>
+          <p:nvSpPr>
+            <p:cNvPr id="21" name="Rectangle 20">
+              <a:extLst>
+                <a:ext uri="{FF2B5EF4-FFF2-40B4-BE49-F238E27FC236}">
+                  <a16:creationId xmlns:a16="http://schemas.microsoft.com/office/drawing/2014/main" id="{050EF513-48B6-4F75-B345-1548497141B4}"/>
+                </a:ext>
+              </a:extLst>
+            </p:cNvPr>
+            <p:cNvSpPr/>
+            <p:nvPr/>
+          </p:nvSpPr>
+          <p:spPr>
+            <a:xfrm>
+              <a:off x="4529203" y="3070022"/>
+              <a:ext cx="1512756" cy="1186733"/>
+            </a:xfrm>
+            <a:prstGeom prst="rect">
+              <a:avLst/>
+            </a:prstGeom>
+            <a:solidFill>
+              <a:srgbClr val="FFF7EB"/>
+            </a:solidFill>
+          </p:spPr>
+          <p:style>
+            <a:lnRef idx="2">
+              <a:schemeClr val="accent1">
+                <a:shade val="50000"/>
+              </a:schemeClr>
+            </a:lnRef>
+            <a:fillRef idx="1">
+              <a:schemeClr val="accent1"/>
+            </a:fillRef>
+            <a:effectRef idx="0">
+              <a:schemeClr val="accent1"/>
+            </a:effectRef>
+            <a:fontRef idx="minor">
+              <a:schemeClr val="lt1"/>
+            </a:fontRef>
+          </p:style>
+          <p:txBody>
+            <a:bodyPr rtlCol="0" anchor="ctr"/>
+            <a:lstStyle/>
+            <a:p>
+              <a:pPr algn="ctr"/>
+              <a:endParaRPr lang="en-US" sz="1200" dirty="0"/>
+            </a:p>
+            <a:p>
+              <a:pPr algn="ctr"/>
+              <a:endParaRPr lang="en-US" sz="1200" dirty="0">
+                <a:solidFill>
+                  <a:schemeClr val="tx1"/>
+                </a:solidFill>
+              </a:endParaRPr>
+            </a:p>
+            <a:p>
+              <a:pPr algn="ctr"/>
+              <a:r>
+                <a:rPr lang="en-US" sz="1000" dirty="0">
+                  <a:solidFill>
+                    <a:schemeClr val="tx1"/>
+                  </a:solidFill>
+                </a:rPr>
+                <a:t>Add/Modify Additional KPIs to enhance the Analysis Capability of the Dashboard</a:t>
+              </a:r>
+              <a:endParaRPr lang="en-IN" sz="1000" dirty="0">
+                <a:solidFill>
+                  <a:schemeClr val="tx1"/>
+                </a:solidFill>
+              </a:endParaRPr>
+            </a:p>
+          </p:txBody>
+        </p:sp>
+        <p:sp>
+          <p:nvSpPr>
+            <p:cNvPr id="11" name="Rectangle 10">
+              <a:extLst>
+                <a:ext uri="{FF2B5EF4-FFF2-40B4-BE49-F238E27FC236}">
+                  <a16:creationId xmlns:a16="http://schemas.microsoft.com/office/drawing/2014/main" id="{E17A7B76-48B6-4AA4-95A5-8F5A5E0D8D46}"/>
+                </a:ext>
+              </a:extLst>
+            </p:cNvPr>
+            <p:cNvSpPr/>
+            <p:nvPr/>
+          </p:nvSpPr>
+          <p:spPr>
+            <a:xfrm>
+              <a:off x="4424752" y="3047832"/>
+              <a:ext cx="1721659" cy="461665"/>
+            </a:xfrm>
+            <a:prstGeom prst="rect">
+              <a:avLst/>
+            </a:prstGeom>
+          </p:spPr>
+          <p:txBody>
+            <a:bodyPr wrap="square">
+              <a:spAutoFit/>
+            </a:bodyPr>
+            <a:lstStyle/>
+            <a:p>
+              <a:pPr algn="ctr"/>
+              <a:r>
+                <a:rPr lang="en-US" sz="1200" b="1" dirty="0">
+                  <a:solidFill>
+                    <a:srgbClr val="4472C4"/>
+                  </a:solidFill>
+                </a:rPr>
+                <a:t>Enhanced Analytics Dashboard</a:t>
+              </a:r>
+              <a:endParaRPr lang="en-IN" sz="1200" dirty="0">
+                <a:solidFill>
+                  <a:srgbClr val="4472C4"/>
+                </a:solidFill>
+              </a:endParaRPr>
+            </a:p>
+          </p:txBody>
+        </p:sp>
+      </p:grpSp>
+      <p:pic>
+        <p:nvPicPr>
+          <p:cNvPr id="25" name="Picture 2" descr="238+ Thousand Curved Arrow Royalty-Free Images, Stock Photos &amp; Pictures |  Shutterstock">
+            <a:extLst>
+              <a:ext uri="{FF2B5EF4-FFF2-40B4-BE49-F238E27FC236}">
+                <a16:creationId xmlns:a16="http://schemas.microsoft.com/office/drawing/2014/main" id="{0E8EF581-C9E7-4A16-BAA6-7A06E1BE9778}"/>
+              </a:ext>
+            </a:extLst>
+          </p:cNvPr>
+          <p:cNvPicPr>
+            <a:picLocks noChangeAspect="1" noChangeArrowheads="1"/>
+          </p:cNvPicPr>
+          <p:nvPr/>
+        </p:nvPicPr>
+        <p:blipFill rotWithShape="1">
+          <a:blip r:embed="rId4">
+            <a:extLst>
+              <a:ext uri="{28A0092B-C50C-407E-A947-70E740481C1C}">
+                <a14:useLocalDpi xmlns:a14="http://schemas.microsoft.com/office/drawing/2010/main" val="0"/>
+              </a:ext>
+            </a:extLst>
+          </a:blip>
+          <a:srcRect l="23709" t="22219" r="16251" b="23055"/>
+          <a:stretch/>
+        </p:blipFill>
+        <p:spPr bwMode="auto">
+          <a:xfrm>
+            <a:off x="5869497" y="1504525"/>
+            <a:ext cx="428809" cy="417881"/>
+          </a:xfrm>
+          <a:prstGeom prst="rect">
+            <a:avLst/>
+          </a:prstGeom>
+          <a:noFill/>
+          <a:extLst>
+            <a:ext uri="{909E8E84-426E-40DD-AFC4-6F175D3DCCD1}">
+              <a14:hiddenFill xmlns:a14="http://schemas.microsoft.com/office/drawing/2010/main">
+                <a:solidFill>
+                  <a:srgbClr val="FFFFFF"/>
+                </a:solidFill>
+              </a14:hiddenFill>
+            </a:ext>
+          </a:extLst>
+        </p:spPr>
+      </p:pic>
+      <p:grpSp>
+        <p:nvGrpSpPr>
+          <p:cNvPr id="26" name="Group 25">
+            <a:extLst>
+              <a:ext uri="{FF2B5EF4-FFF2-40B4-BE49-F238E27FC236}">
+                <a16:creationId xmlns:a16="http://schemas.microsoft.com/office/drawing/2014/main" id="{14BC4531-2FCE-40FA-8306-B8213C6D82E1}"/>
+              </a:ext>
+            </a:extLst>
+          </p:cNvPr>
+          <p:cNvGrpSpPr/>
+          <p:nvPr/>
+        </p:nvGrpSpPr>
+        <p:grpSpPr>
+          <a:xfrm>
+            <a:off x="6291553" y="1028233"/>
+            <a:ext cx="1700096" cy="1366933"/>
+            <a:chOff x="4505213" y="3041810"/>
+            <a:chExt cx="1867822" cy="1366933"/>
+          </a:xfrm>
+        </p:grpSpPr>
+        <p:sp>
+          <p:nvSpPr>
+            <p:cNvPr id="27" name="Rectangle 26">
+              <a:extLst>
+                <a:ext uri="{FF2B5EF4-FFF2-40B4-BE49-F238E27FC236}">
+                  <a16:creationId xmlns:a16="http://schemas.microsoft.com/office/drawing/2014/main" id="{47D0E132-7619-4C01-A931-79D29CADFAC8}"/>
+                </a:ext>
+              </a:extLst>
+            </p:cNvPr>
+            <p:cNvSpPr/>
+            <p:nvPr/>
+          </p:nvSpPr>
+          <p:spPr>
+            <a:xfrm>
+              <a:off x="4529202" y="3070022"/>
+              <a:ext cx="1843833" cy="1338721"/>
+            </a:xfrm>
+            <a:prstGeom prst="rect">
+              <a:avLst/>
+            </a:prstGeom>
+            <a:solidFill>
+              <a:srgbClr val="FFF7EB"/>
+            </a:solidFill>
+          </p:spPr>
+          <p:style>
+            <a:lnRef idx="2">
+              <a:schemeClr val="accent1">
+                <a:shade val="50000"/>
+              </a:schemeClr>
+            </a:lnRef>
+            <a:fillRef idx="1">
+              <a:schemeClr val="accent1"/>
+            </a:fillRef>
+            <a:effectRef idx="0">
+              <a:schemeClr val="accent1"/>
+            </a:effectRef>
+            <a:fontRef idx="minor">
+              <a:schemeClr val="lt1"/>
+            </a:fontRef>
+          </p:style>
+          <p:txBody>
+            <a:bodyPr rtlCol="0" anchor="ctr"/>
+            <a:lstStyle/>
+            <a:p>
+              <a:pPr algn="ctr"/>
+              <a:endParaRPr lang="en-US" sz="1200" dirty="0"/>
+            </a:p>
+            <a:p>
+              <a:pPr algn="ctr"/>
+              <a:endParaRPr lang="en-US" sz="1200" dirty="0">
+                <a:solidFill>
+                  <a:schemeClr val="tx1"/>
+                </a:solidFill>
+              </a:endParaRPr>
+            </a:p>
+            <a:p>
+              <a:pPr algn="ctr"/>
+              <a:r>
+                <a:rPr lang="en-US" sz="1000" dirty="0">
+                  <a:solidFill>
+                    <a:schemeClr val="tx1"/>
+                  </a:solidFill>
+                </a:rPr>
+                <a:t>Deploy the Application in a Cloud Platform to Handle Increasing Volume of Data Seamlessly Without Infra Management</a:t>
+              </a:r>
+              <a:endParaRPr lang="en-IN" sz="1000" dirty="0">
+                <a:solidFill>
+                  <a:schemeClr val="tx1"/>
+                </a:solidFill>
+              </a:endParaRPr>
+            </a:p>
+          </p:txBody>
+        </p:sp>
+        <p:sp>
+          <p:nvSpPr>
+            <p:cNvPr id="28" name="Rectangle 27">
+              <a:extLst>
+                <a:ext uri="{FF2B5EF4-FFF2-40B4-BE49-F238E27FC236}">
+                  <a16:creationId xmlns:a16="http://schemas.microsoft.com/office/drawing/2014/main" id="{77D048B7-1CE0-41C5-BF98-9B6C2C34E324}"/>
+                </a:ext>
+              </a:extLst>
+            </p:cNvPr>
+            <p:cNvSpPr/>
+            <p:nvPr/>
+          </p:nvSpPr>
+          <p:spPr>
+            <a:xfrm>
+              <a:off x="4505213" y="3041810"/>
+              <a:ext cx="1867822" cy="276999"/>
+            </a:xfrm>
+            <a:prstGeom prst="rect">
+              <a:avLst/>
+            </a:prstGeom>
+          </p:spPr>
+          <p:txBody>
+            <a:bodyPr wrap="square">
+              <a:spAutoFit/>
+            </a:bodyPr>
+            <a:lstStyle/>
+            <a:p>
+              <a:pPr algn="ctr"/>
+              <a:r>
+                <a:rPr lang="en-US" sz="1200" b="1" dirty="0">
+                  <a:solidFill>
+                    <a:srgbClr val="4472C4"/>
+                  </a:solidFill>
+                </a:rPr>
+                <a:t>Serverless Deployment</a:t>
+              </a:r>
+              <a:endParaRPr lang="en-IN" sz="1200" b="1" dirty="0">
+                <a:solidFill>
+                  <a:srgbClr val="4472C4"/>
+                </a:solidFill>
+              </a:endParaRPr>
+            </a:p>
+          </p:txBody>
+        </p:sp>
+      </p:grpSp>
     </p:spTree>
   </p:cSld>
   <p:clrMapOvr>
@@ -18843,6 +20650,36 @@
           </a:p>
         </p:txBody>
       </p:sp>
+      <p:pic>
+        <p:nvPicPr>
+          <p:cNvPr id="2" name="Picture 1">
+            <a:extLst>
+              <a:ext uri="{FF2B5EF4-FFF2-40B4-BE49-F238E27FC236}">
+                <a16:creationId xmlns:a16="http://schemas.microsoft.com/office/drawing/2014/main" id="{9F10A76F-7042-49A7-9A97-7570D5CDBA95}"/>
+              </a:ext>
+            </a:extLst>
+          </p:cNvPr>
+          <p:cNvPicPr>
+            <a:picLocks noChangeAspect="1"/>
+          </p:cNvPicPr>
+          <p:nvPr/>
+        </p:nvPicPr>
+        <p:blipFill>
+          <a:blip r:embed="rId4"/>
+          <a:stretch>
+            <a:fillRect/>
+          </a:stretch>
+        </p:blipFill>
+        <p:spPr>
+          <a:xfrm>
+            <a:off x="3773276" y="1311700"/>
+            <a:ext cx="4702156" cy="3369133"/>
+          </a:xfrm>
+          <a:prstGeom prst="rect">
+            <a:avLst/>
+          </a:prstGeom>
+        </p:spPr>
+      </p:pic>
     </p:spTree>
   </p:cSld>
   <p:clrMapOvr>
@@ -18856,7 +20693,7 @@
   <p:cSld>
     <p:spTree>
       <p:nvGrpSpPr>
-        <p:cNvPr id="1" name="Shape 109"/>
+        <p:cNvPr id="1" name="Shape 101"/>
         <p:cNvGrpSpPr/>
         <p:nvPr/>
       </p:nvGrpSpPr>
@@ -18870,7 +20707,7 @@
       </p:grpSpPr>
       <p:sp>
         <p:nvSpPr>
-          <p:cNvPr id="110" name="Google Shape;110;p20"/>
+          <p:cNvPr id="102" name="Google Shape;102;p19"/>
           <p:cNvSpPr txBox="1">
             <a:spLocks noGrp="1"/>
           </p:cNvSpPr>
@@ -18908,7 +20745,7 @@
       </p:sp>
       <p:sp>
         <p:nvSpPr>
-          <p:cNvPr id="111" name="Google Shape;111;p20"/>
+          <p:cNvPr id="103" name="Google Shape;103;p19"/>
           <p:cNvSpPr txBox="1">
             <a:spLocks noGrp="1"/>
           </p:cNvSpPr>
@@ -18946,7 +20783,7 @@
       </p:sp>
       <p:pic>
         <p:nvPicPr>
-          <p:cNvPr id="112" name="Google Shape;112;p20"/>
+          <p:cNvPr id="104" name="Google Shape;104;p19"/>
           <p:cNvPicPr preferRelativeResize="0"/>
           <p:nvPr/>
         </p:nvPicPr>
@@ -18974,7 +20811,7 @@
       </p:pic>
       <p:sp>
         <p:nvSpPr>
-          <p:cNvPr id="113" name="Google Shape;113;p20"/>
+          <p:cNvPr id="105" name="Google Shape;105;p19"/>
           <p:cNvSpPr txBox="1"/>
           <p:nvPr/>
         </p:nvSpPr>
@@ -19012,7 +20849,7 @@
                   <a:schemeClr val="dk2"/>
                 </a:solidFill>
               </a:rPr>
-              <a:t>GitHub Repository URL &amp; Description</a:t>
+              <a:t>Snapshots of Final Product</a:t>
             </a:r>
             <a:endParaRPr sz="1800">
               <a:solidFill>
@@ -19022,7 +20859,42 @@
           </a:p>
         </p:txBody>
       </p:sp>
+      <p:pic>
+        <p:nvPicPr>
+          <p:cNvPr id="3" name="Picture 2">
+            <a:extLst>
+              <a:ext uri="{FF2B5EF4-FFF2-40B4-BE49-F238E27FC236}">
+                <a16:creationId xmlns:a16="http://schemas.microsoft.com/office/drawing/2014/main" id="{3F6C75EA-54D1-4874-A08D-90577BE6A7D1}"/>
+              </a:ext>
+            </a:extLst>
+          </p:cNvPr>
+          <p:cNvPicPr>
+            <a:picLocks noChangeAspect="1"/>
+          </p:cNvPicPr>
+          <p:nvPr/>
+        </p:nvPicPr>
+        <p:blipFill>
+          <a:blip r:embed="rId4"/>
+          <a:stretch>
+            <a:fillRect/>
+          </a:stretch>
+        </p:blipFill>
+        <p:spPr>
+          <a:xfrm>
+            <a:off x="2459760" y="1488230"/>
+            <a:ext cx="6528391" cy="3020090"/>
+          </a:xfrm>
+          <a:prstGeom prst="rect">
+            <a:avLst/>
+          </a:prstGeom>
+        </p:spPr>
+      </p:pic>
     </p:spTree>
+    <p:extLst>
+      <p:ext uri="{BB962C8B-B14F-4D97-AF65-F5344CB8AC3E}">
+        <p14:creationId xmlns:p14="http://schemas.microsoft.com/office/powerpoint/2010/main" val="3513921203"/>
+      </p:ext>
+    </p:extLst>
   </p:cSld>
   <p:clrMapOvr>
     <a:masterClrMapping/>

--- a/radiant_ranger_ksp_datathon_prototype_round.pptx
+++ b/radiant_ranger_ksp_datathon_prototype_round.pptx
@@ -5,7 +5,7 @@
     <p:sldMasterId id="2147483659" r:id="rId1"/>
   </p:sldMasterIdLst>
   <p:notesMasterIdLst>
-    <p:notesMasterId r:id="rId15"/>
+    <p:notesMasterId r:id="rId16"/>
   </p:notesMasterIdLst>
   <p:sldIdLst>
     <p:sldId id="256" r:id="rId2"/>
@@ -17,10 +17,11 @@
     <p:sldId id="261" r:id="rId8"/>
     <p:sldId id="262" r:id="rId9"/>
     <p:sldId id="271" r:id="rId10"/>
-    <p:sldId id="263" r:id="rId11"/>
-    <p:sldId id="269" r:id="rId12"/>
-    <p:sldId id="270" r:id="rId13"/>
-    <p:sldId id="267" r:id="rId14"/>
+    <p:sldId id="272" r:id="rId11"/>
+    <p:sldId id="263" r:id="rId12"/>
+    <p:sldId id="269" r:id="rId13"/>
+    <p:sldId id="270" r:id="rId14"/>
+    <p:sldId id="267" r:id="rId15"/>
   </p:sldIdLst>
   <p:sldSz cx="9144000" cy="5143500" type="screen16x9"/>
   <p:notesSz cx="6858000" cy="9144000"/>
@@ -9559,6 +9560,115 @@
   <p:cSld>
     <p:spTree>
       <p:nvGrpSpPr>
+        <p:cNvPr id="1" name="Shape 98"/>
+        <p:cNvGrpSpPr/>
+        <p:nvPr/>
+      </p:nvGrpSpPr>
+      <p:grpSpPr>
+        <a:xfrm>
+          <a:off x="0" y="0"/>
+          <a:ext cx="0" cy="0"/>
+          <a:chOff x="0" y="0"/>
+          <a:chExt cx="0" cy="0"/>
+        </a:xfrm>
+      </p:grpSpPr>
+      <p:sp>
+        <p:nvSpPr>
+          <p:cNvPr id="99" name="Google Shape;99;g26b4a6badb2_0_59:notes"/>
+          <p:cNvSpPr>
+            <a:spLocks noGrp="1" noRot="1" noChangeAspect="1"/>
+          </p:cNvSpPr>
+          <p:nvPr>
+            <p:ph type="sldImg" idx="2"/>
+          </p:nvPr>
+        </p:nvSpPr>
+        <p:spPr>
+          <a:xfrm>
+            <a:off x="381000" y="685800"/>
+            <a:ext cx="6096000" cy="3429000"/>
+          </a:xfrm>
+          <a:custGeom>
+            <a:avLst/>
+            <a:gdLst/>
+            <a:ahLst/>
+            <a:cxnLst/>
+            <a:rect l="l" t="t" r="r" b="b"/>
+            <a:pathLst>
+              <a:path w="120000" h="120000" extrusionOk="0">
+                <a:moveTo>
+                  <a:pt x="0" y="0"/>
+                </a:moveTo>
+                <a:lnTo>
+                  <a:pt x="120000" y="0"/>
+                </a:lnTo>
+                <a:lnTo>
+                  <a:pt x="120000" y="120000"/>
+                </a:lnTo>
+                <a:lnTo>
+                  <a:pt x="0" y="120000"/>
+                </a:lnTo>
+                <a:close/>
+              </a:path>
+            </a:pathLst>
+          </a:custGeom>
+        </p:spPr>
+      </p:sp>
+      <p:sp>
+        <p:nvSpPr>
+          <p:cNvPr id="100" name="Google Shape;100;g26b4a6badb2_0_59:notes"/>
+          <p:cNvSpPr txBox="1">
+            <a:spLocks noGrp="1"/>
+          </p:cNvSpPr>
+          <p:nvPr>
+            <p:ph type="body" idx="1"/>
+          </p:nvPr>
+        </p:nvSpPr>
+        <p:spPr>
+          <a:xfrm>
+            <a:off x="685800" y="4343400"/>
+            <a:ext cx="5486400" cy="4114800"/>
+          </a:xfrm>
+          <a:prstGeom prst="rect">
+            <a:avLst/>
+          </a:prstGeom>
+        </p:spPr>
+        <p:txBody>
+          <a:bodyPr spcFirstLastPara="1" wrap="square" lIns="91425" tIns="91425" rIns="91425" bIns="91425" anchor="t" anchorCtr="0">
+            <a:noAutofit/>
+          </a:bodyPr>
+          <a:lstStyle/>
+          <a:p>
+            <a:pPr marL="0" lvl="0" indent="0" algn="l" rtl="0">
+              <a:spcBef>
+                <a:spcPts val="0"/>
+              </a:spcBef>
+              <a:spcAft>
+                <a:spcPts val="0"/>
+              </a:spcAft>
+              <a:buNone/>
+            </a:pPr>
+            <a:endParaRPr/>
+          </a:p>
+        </p:txBody>
+      </p:sp>
+    </p:spTree>
+    <p:extLst>
+      <p:ext uri="{BB962C8B-B14F-4D97-AF65-F5344CB8AC3E}">
+        <p14:creationId xmlns:p14="http://schemas.microsoft.com/office/powerpoint/2010/main" val="4178664455"/>
+      </p:ext>
+    </p:extLst>
+  </p:cSld>
+  <p:clrMapOvr>
+    <a:masterClrMapping/>
+  </p:clrMapOvr>
+</p:notes>
+</file>
+
+<file path=ppt/notesSlides/notesSlide11.xml><?xml version="1.0" encoding="utf-8"?>
+<p:notes xmlns:a="http://schemas.openxmlformats.org/drawingml/2006/main" xmlns:r="http://schemas.openxmlformats.org/officeDocument/2006/relationships" xmlns:p="http://schemas.openxmlformats.org/presentationml/2006/main" showMasterSp="0" showMasterPhAnim="0">
+  <p:cSld>
+    <p:spTree>
+      <p:nvGrpSpPr>
         <p:cNvPr id="1" name="Shape 106"/>
         <p:cNvGrpSpPr/>
         <p:nvPr/>
@@ -9658,7 +9768,7 @@
 </p:notes>
 </file>
 
-<file path=ppt/notesSlides/notesSlide11.xml><?xml version="1.0" encoding="utf-8"?>
+<file path=ppt/notesSlides/notesSlide12.xml><?xml version="1.0" encoding="utf-8"?>
 <p:notes xmlns:a="http://schemas.openxmlformats.org/drawingml/2006/main" xmlns:r="http://schemas.openxmlformats.org/officeDocument/2006/relationships" xmlns:p="http://schemas.openxmlformats.org/presentationml/2006/main" showMasterSp="0" showMasterPhAnim="0">
   <p:cSld>
     <p:spTree>
@@ -9762,7 +9872,7 @@
 </p:notes>
 </file>
 
-<file path=ppt/notesSlides/notesSlide12.xml><?xml version="1.0" encoding="utf-8"?>
+<file path=ppt/notesSlides/notesSlide13.xml><?xml version="1.0" encoding="utf-8"?>
 <p:notes xmlns:a="http://schemas.openxmlformats.org/drawingml/2006/main" xmlns:r="http://schemas.openxmlformats.org/officeDocument/2006/relationships" xmlns:p="http://schemas.openxmlformats.org/presentationml/2006/main" showMasterSp="0" showMasterPhAnim="0">
   <p:cSld>
     <p:spTree>
@@ -9866,7 +9976,7 @@
 </p:notes>
 </file>
 
-<file path=ppt/notesSlides/notesSlide13.xml><?xml version="1.0" encoding="utf-8"?>
+<file path=ppt/notesSlides/notesSlide14.xml><?xml version="1.0" encoding="utf-8"?>
 <p:notes xmlns:a="http://schemas.openxmlformats.org/drawingml/2006/main" xmlns:r="http://schemas.openxmlformats.org/officeDocument/2006/relationships" xmlns:p="http://schemas.openxmlformats.org/presentationml/2006/main" showMasterSp="0" showMasterPhAnim="0">
   <p:cSld>
     <p:spTree>
@@ -15794,6 +15904,325 @@
   <p:cSld>
     <p:spTree>
       <p:nvGrpSpPr>
+        <p:cNvPr id="1" name="Shape 101"/>
+        <p:cNvGrpSpPr/>
+        <p:nvPr/>
+      </p:nvGrpSpPr>
+      <p:grpSpPr>
+        <a:xfrm>
+          <a:off x="0" y="0"/>
+          <a:ext cx="0" cy="0"/>
+          <a:chOff x="0" y="0"/>
+          <a:chExt cx="0" cy="0"/>
+        </a:xfrm>
+      </p:grpSpPr>
+      <p:sp>
+        <p:nvSpPr>
+          <p:cNvPr id="102" name="Google Shape;102;p19"/>
+          <p:cNvSpPr txBox="1">
+            <a:spLocks noGrp="1"/>
+          </p:cNvSpPr>
+          <p:nvPr>
+            <p:ph type="title"/>
+          </p:nvPr>
+        </p:nvSpPr>
+        <p:spPr>
+          <a:xfrm>
+            <a:off x="311700" y="445025"/>
+            <a:ext cx="8520600" cy="572700"/>
+          </a:xfrm>
+          <a:prstGeom prst="rect">
+            <a:avLst/>
+          </a:prstGeom>
+        </p:spPr>
+        <p:txBody>
+          <a:bodyPr spcFirstLastPara="1" wrap="square" lIns="91425" tIns="91425" rIns="91425" bIns="91425" anchor="t" anchorCtr="0">
+            <a:normAutofit fontScale="90000"/>
+          </a:bodyPr>
+          <a:lstStyle/>
+          <a:p>
+            <a:pPr marL="0" lvl="0" indent="0" algn="l" rtl="0">
+              <a:spcBef>
+                <a:spcPts val="0"/>
+              </a:spcBef>
+              <a:spcAft>
+                <a:spcPts val="0"/>
+              </a:spcAft>
+              <a:buNone/>
+            </a:pPr>
+            <a:endParaRPr/>
+          </a:p>
+        </p:txBody>
+      </p:sp>
+      <p:sp>
+        <p:nvSpPr>
+          <p:cNvPr id="103" name="Google Shape;103;p19"/>
+          <p:cNvSpPr txBox="1">
+            <a:spLocks noGrp="1"/>
+          </p:cNvSpPr>
+          <p:nvPr>
+            <p:ph type="body" idx="1"/>
+          </p:nvPr>
+        </p:nvSpPr>
+        <p:spPr>
+          <a:xfrm>
+            <a:off x="311700" y="1152475"/>
+            <a:ext cx="8520600" cy="3416400"/>
+          </a:xfrm>
+          <a:prstGeom prst="rect">
+            <a:avLst/>
+          </a:prstGeom>
+        </p:spPr>
+        <p:txBody>
+          <a:bodyPr spcFirstLastPara="1" wrap="square" lIns="91425" tIns="91425" rIns="91425" bIns="91425" anchor="t" anchorCtr="0">
+            <a:normAutofit/>
+          </a:bodyPr>
+          <a:lstStyle/>
+          <a:p>
+            <a:pPr marL="0" lvl="0" indent="0" algn="l" rtl="0">
+              <a:spcBef>
+                <a:spcPts val="0"/>
+              </a:spcBef>
+              <a:spcAft>
+                <a:spcPts val="1200"/>
+              </a:spcAft>
+              <a:buNone/>
+            </a:pPr>
+            <a:endParaRPr/>
+          </a:p>
+        </p:txBody>
+      </p:sp>
+      <p:pic>
+        <p:nvPicPr>
+          <p:cNvPr id="104" name="Google Shape;104;p19"/>
+          <p:cNvPicPr preferRelativeResize="0"/>
+          <p:nvPr/>
+        </p:nvPicPr>
+        <p:blipFill>
+          <a:blip r:embed="rId3">
+            <a:alphaModFix/>
+          </a:blip>
+          <a:stretch>
+            <a:fillRect/>
+          </a:stretch>
+        </p:blipFill>
+        <p:spPr>
+          <a:xfrm>
+            <a:off x="0" y="0"/>
+            <a:ext cx="9144003" cy="5143501"/>
+          </a:xfrm>
+          <a:prstGeom prst="rect">
+            <a:avLst/>
+          </a:prstGeom>
+          <a:noFill/>
+          <a:ln>
+            <a:noFill/>
+          </a:ln>
+        </p:spPr>
+      </p:pic>
+      <p:sp>
+        <p:nvSpPr>
+          <p:cNvPr id="105" name="Google Shape;105;p19"/>
+          <p:cNvSpPr txBox="1"/>
+          <p:nvPr/>
+        </p:nvSpPr>
+        <p:spPr>
+          <a:xfrm>
+            <a:off x="226625" y="739000"/>
+            <a:ext cx="8700600" cy="443400"/>
+          </a:xfrm>
+          <a:prstGeom prst="rect">
+            <a:avLst/>
+          </a:prstGeom>
+          <a:noFill/>
+          <a:ln>
+            <a:noFill/>
+          </a:ln>
+        </p:spPr>
+        <p:txBody>
+          <a:bodyPr spcFirstLastPara="1" wrap="square" lIns="91425" tIns="91425" rIns="91425" bIns="91425" anchor="t" anchorCtr="0">
+            <a:noAutofit/>
+          </a:bodyPr>
+          <a:lstStyle/>
+          <a:p>
+            <a:pPr marL="0" lvl="0" indent="0" algn="l" rtl="0">
+              <a:spcBef>
+                <a:spcPts val="0"/>
+              </a:spcBef>
+              <a:spcAft>
+                <a:spcPts val="0"/>
+              </a:spcAft>
+              <a:buNone/>
+            </a:pPr>
+            <a:r>
+              <a:rPr lang="en-GB" sz="1800">
+                <a:solidFill>
+                  <a:schemeClr val="dk2"/>
+                </a:solidFill>
+              </a:rPr>
+              <a:t>Snapshots of Final Product</a:t>
+            </a:r>
+            <a:endParaRPr sz="1800">
+              <a:solidFill>
+                <a:schemeClr val="dk2"/>
+              </a:solidFill>
+            </a:endParaRPr>
+          </a:p>
+        </p:txBody>
+      </p:sp>
+      <p:sp>
+        <p:nvSpPr>
+          <p:cNvPr id="9" name="TextBox 8">
+            <a:extLst>
+              <a:ext uri="{FF2B5EF4-FFF2-40B4-BE49-F238E27FC236}">
+                <a16:creationId xmlns:a16="http://schemas.microsoft.com/office/drawing/2014/main" id="{DAC47761-385F-416A-ADC1-AD17F4BD637A}"/>
+              </a:ext>
+            </a:extLst>
+          </p:cNvPr>
+          <p:cNvSpPr txBox="1"/>
+          <p:nvPr/>
+        </p:nvSpPr>
+        <p:spPr>
+          <a:xfrm>
+            <a:off x="148108" y="2664747"/>
+            <a:ext cx="2551814" cy="646331"/>
+          </a:xfrm>
+          <a:prstGeom prst="rect">
+            <a:avLst/>
+          </a:prstGeom>
+          <a:noFill/>
+        </p:spPr>
+        <p:txBody>
+          <a:bodyPr wrap="square" rtlCol="0">
+            <a:spAutoFit/>
+          </a:bodyPr>
+          <a:lstStyle/>
+          <a:p>
+            <a:pPr algn="just"/>
+            <a:r>
+              <a:rPr lang="en-US" sz="1200" dirty="0">
+                <a:latin typeface="Calibri" panose="020F0502020204030204" pitchFamily="34" charset="0"/>
+                <a:cs typeface="Calibri" panose="020F0502020204030204" pitchFamily="34" charset="0"/>
+              </a:rPr>
+              <a:t>Power BI dashboard to display the</a:t>
+            </a:r>
+          </a:p>
+          <a:p>
+            <a:pPr algn="just"/>
+            <a:r>
+              <a:rPr lang="en-US" sz="1200" dirty="0">
+                <a:latin typeface="Calibri" panose="020F0502020204030204" pitchFamily="34" charset="0"/>
+                <a:cs typeface="Calibri" panose="020F0502020204030204" pitchFamily="34" charset="0"/>
+              </a:rPr>
+              <a:t>Processed data in form of KPIs for easy analysis</a:t>
+            </a:r>
+            <a:endParaRPr lang="en-IN" sz="1200" dirty="0">
+              <a:latin typeface="Calibri" panose="020F0502020204030204" pitchFamily="34" charset="0"/>
+              <a:cs typeface="Calibri" panose="020F0502020204030204" pitchFamily="34" charset="0"/>
+            </a:endParaRPr>
+          </a:p>
+        </p:txBody>
+      </p:sp>
+      <p:sp>
+        <p:nvSpPr>
+          <p:cNvPr id="10" name="Arrow: Pentagon 9">
+            <a:extLst>
+              <a:ext uri="{FF2B5EF4-FFF2-40B4-BE49-F238E27FC236}">
+                <a16:creationId xmlns:a16="http://schemas.microsoft.com/office/drawing/2014/main" id="{C54E89BD-82C2-49E8-9D68-A056C08E0AB9}"/>
+              </a:ext>
+            </a:extLst>
+          </p:cNvPr>
+          <p:cNvSpPr/>
+          <p:nvPr/>
+        </p:nvSpPr>
+        <p:spPr>
+          <a:xfrm>
+            <a:off x="155849" y="2108687"/>
+            <a:ext cx="2597256" cy="1665768"/>
+          </a:xfrm>
+          <a:prstGeom prst="homePlate">
+            <a:avLst>
+              <a:gd name="adj" fmla="val 44468"/>
+            </a:avLst>
+          </a:prstGeom>
+          <a:noFill/>
+          <a:ln w="9525">
+            <a:prstDash val="sysDash"/>
+          </a:ln>
+        </p:spPr>
+        <p:style>
+          <a:lnRef idx="2">
+            <a:schemeClr val="accent1">
+              <a:shade val="50000"/>
+            </a:schemeClr>
+          </a:lnRef>
+          <a:fillRef idx="1">
+            <a:schemeClr val="accent1"/>
+          </a:fillRef>
+          <a:effectRef idx="0">
+            <a:schemeClr val="accent1"/>
+          </a:effectRef>
+          <a:fontRef idx="minor">
+            <a:schemeClr val="lt1"/>
+          </a:fontRef>
+        </p:style>
+        <p:txBody>
+          <a:bodyPr rtlCol="0" anchor="ctr"/>
+          <a:lstStyle/>
+          <a:p>
+            <a:pPr algn="ctr"/>
+            <a:endParaRPr lang="en-IN"/>
+          </a:p>
+        </p:txBody>
+      </p:sp>
+      <p:pic>
+        <p:nvPicPr>
+          <p:cNvPr id="2" name="Picture 1">
+            <a:extLst>
+              <a:ext uri="{FF2B5EF4-FFF2-40B4-BE49-F238E27FC236}">
+                <a16:creationId xmlns:a16="http://schemas.microsoft.com/office/drawing/2014/main" id="{A97F5CBD-2C1D-435A-BDDB-31DABD3517F2}"/>
+              </a:ext>
+            </a:extLst>
+          </p:cNvPr>
+          <p:cNvPicPr>
+            <a:picLocks noChangeAspect="1"/>
+          </p:cNvPicPr>
+          <p:nvPr/>
+        </p:nvPicPr>
+        <p:blipFill>
+          <a:blip r:embed="rId4"/>
+          <a:stretch>
+            <a:fillRect/>
+          </a:stretch>
+        </p:blipFill>
+        <p:spPr>
+          <a:xfrm>
+            <a:off x="2848030" y="1134998"/>
+            <a:ext cx="6107408" cy="3726554"/>
+          </a:xfrm>
+          <a:prstGeom prst="rect">
+            <a:avLst/>
+          </a:prstGeom>
+        </p:spPr>
+      </p:pic>
+    </p:spTree>
+    <p:extLst>
+      <p:ext uri="{BB962C8B-B14F-4D97-AF65-F5344CB8AC3E}">
+        <p14:creationId xmlns:p14="http://schemas.microsoft.com/office/powerpoint/2010/main" val="1456959396"/>
+      </p:ext>
+    </p:extLst>
+  </p:cSld>
+  <p:clrMapOvr>
+    <a:masterClrMapping/>
+  </p:clrMapOvr>
+</p:sld>
+</file>
+
+<file path=ppt/slides/slide11.xml><?xml version="1.0" encoding="utf-8"?>
+<p:sld xmlns:a="http://schemas.openxmlformats.org/drawingml/2006/main" xmlns:r="http://schemas.openxmlformats.org/officeDocument/2006/relationships" xmlns:p="http://schemas.openxmlformats.org/presentationml/2006/main">
+  <p:cSld>
+    <p:spTree>
+      <p:nvGrpSpPr>
         <p:cNvPr id="1" name="Shape 109"/>
         <p:cNvGrpSpPr/>
         <p:nvPr/>
@@ -16092,7 +16521,7 @@
 </p:sld>
 </file>
 
-<file path=ppt/slides/slide11.xml><?xml version="1.0" encoding="utf-8"?>
+<file path=ppt/slides/slide12.xml><?xml version="1.0" encoding="utf-8"?>
 <p:sld xmlns:a="http://schemas.openxmlformats.org/drawingml/2006/main" xmlns:r="http://schemas.openxmlformats.org/officeDocument/2006/relationships" xmlns:p="http://schemas.openxmlformats.org/presentationml/2006/main">
   <p:cSld>
     <p:spTree>
@@ -16555,7 +16984,7 @@
 </p:sld>
 </file>
 
-<file path=ppt/slides/slide12.xml><?xml version="1.0" encoding="utf-8"?>
+<file path=ppt/slides/slide13.xml><?xml version="1.0" encoding="utf-8"?>
 <p:sld xmlns:a="http://schemas.openxmlformats.org/drawingml/2006/main" xmlns:r="http://schemas.openxmlformats.org/officeDocument/2006/relationships" xmlns:p="http://schemas.openxmlformats.org/presentationml/2006/main">
   <p:cSld>
     <p:spTree>
@@ -17222,7 +17651,7 @@
 </p:sld>
 </file>
 
-<file path=ppt/slides/slide13.xml><?xml version="1.0" encoding="utf-8"?>
+<file path=ppt/slides/slide14.xml><?xml version="1.0" encoding="utf-8"?>
 <p:sld xmlns:a="http://schemas.openxmlformats.org/drawingml/2006/main" xmlns:r="http://schemas.openxmlformats.org/officeDocument/2006/relationships" xmlns:p="http://schemas.openxmlformats.org/presentationml/2006/main">
   <p:cSld>
     <p:spTree>
@@ -19395,7 +19824,7 @@
           </a:bodyPr>
           <a:lstStyle/>
           <a:p>
-            <a:pPr marL="285750" indent="-285750">
+            <a:pPr marL="285750" indent="-285750" algn="just">
               <a:buFont typeface="Arial" panose="020B0604020202020204" pitchFamily="34" charset="0"/>
               <a:buChar char="•"/>
             </a:pPr>
@@ -19425,7 +19854,7 @@
             </a:r>
           </a:p>
           <a:p>
-            <a:pPr marL="285750" indent="-285750">
+            <a:pPr marL="285750" indent="-285750" algn="just">
               <a:buFont typeface="Arial" panose="020B0604020202020204" pitchFamily="34" charset="0"/>
               <a:buChar char="•"/>
             </a:pPr>
@@ -19455,7 +19884,7 @@
             </a:r>
           </a:p>
           <a:p>
-            <a:pPr marL="285750" indent="-285750">
+            <a:pPr marL="285750" indent="-285750" algn="just">
               <a:buFont typeface="Arial" panose="020B0604020202020204" pitchFamily="34" charset="0"/>
               <a:buChar char="•"/>
             </a:pPr>
@@ -19502,7 +19931,7 @@
             </a:r>
           </a:p>
           <a:p>
-            <a:pPr marL="285750" indent="-285750">
+            <a:pPr marL="285750" indent="-285750" algn="just">
               <a:buFont typeface="Arial" panose="020B0604020202020204" pitchFamily="34" charset="0"/>
               <a:buChar char="•"/>
             </a:pPr>
@@ -19539,7 +19968,7 @@
             </a:r>
           </a:p>
           <a:p>
-            <a:pPr marL="285750" indent="-285750">
+            <a:pPr marL="285750" indent="-285750" algn="just">
               <a:buFont typeface="Arial" panose="020B0604020202020204" pitchFamily="34" charset="0"/>
               <a:buChar char="•"/>
             </a:pPr>
@@ -19576,7 +20005,7 @@
             </a:r>
           </a:p>
           <a:p>
-            <a:pPr marL="285750" indent="-285750">
+            <a:pPr marL="285750" indent="-285750" algn="just">
               <a:buFont typeface="Arial" panose="020B0604020202020204" pitchFamily="34" charset="0"/>
               <a:buChar char="•"/>
             </a:pPr>
@@ -19606,7 +20035,7 @@
             </a:r>
           </a:p>
           <a:p>
-            <a:pPr marL="285750" indent="-285750">
+            <a:pPr marL="285750" indent="-285750" algn="just">
               <a:buFont typeface="Arial" panose="020B0604020202020204" pitchFamily="34" charset="0"/>
               <a:buChar char="•"/>
             </a:pPr>
@@ -19616,7 +20045,7 @@
             </a:endParaRPr>
           </a:p>
           <a:p>
-            <a:pPr marL="285750" indent="-285750">
+            <a:pPr marL="285750" indent="-285750" algn="just">
               <a:buFont typeface="Arial" panose="020B0604020202020204" pitchFamily="34" charset="0"/>
               <a:buChar char="•"/>
             </a:pPr>
@@ -19819,7 +20248,7 @@
         </p:nvSpPr>
         <p:spPr>
           <a:xfrm>
-            <a:off x="1004306" y="3536309"/>
+            <a:off x="1209860" y="3571749"/>
             <a:ext cx="1512756" cy="1186733"/>
           </a:xfrm>
           <a:prstGeom prst="rect">
@@ -19892,7 +20321,7 @@
         </p:nvSpPr>
         <p:spPr>
           <a:xfrm>
-            <a:off x="952340" y="3520206"/>
+            <a:off x="1157894" y="3555646"/>
             <a:ext cx="1616689" cy="461665"/>
           </a:xfrm>
           <a:prstGeom prst="rect">
@@ -19949,7 +20378,7 @@
         </p:blipFill>
         <p:spPr bwMode="auto">
           <a:xfrm>
-            <a:off x="2354624" y="3095266"/>
+            <a:off x="2560178" y="3130706"/>
             <a:ext cx="428809" cy="417881"/>
           </a:xfrm>
           <a:prstGeom prst="rect">
@@ -19981,7 +20410,7 @@
         </p:nvGrpSpPr>
         <p:grpSpPr>
           <a:xfrm>
-            <a:off x="2550171" y="2702638"/>
+            <a:off x="2755725" y="2738078"/>
             <a:ext cx="1985036" cy="1236712"/>
             <a:chOff x="2544167" y="2789517"/>
             <a:chExt cx="1985036" cy="1236712"/>
@@ -20132,7 +20561,7 @@
         </p:blipFill>
         <p:spPr bwMode="auto">
           <a:xfrm>
-            <a:off x="4054433" y="2311036"/>
+            <a:off x="4259987" y="2346476"/>
             <a:ext cx="428809" cy="417881"/>
           </a:xfrm>
           <a:prstGeom prst="rect">
@@ -20164,7 +20593,7 @@
         </p:nvGrpSpPr>
         <p:grpSpPr>
           <a:xfrm>
-            <a:off x="4410081" y="1933501"/>
+            <a:off x="4615635" y="1968941"/>
             <a:ext cx="1721659" cy="1208923"/>
             <a:chOff x="4424752" y="3047832"/>
             <a:chExt cx="1721659" cy="1208923"/>
@@ -20315,7 +20744,7 @@
         </p:blipFill>
         <p:spPr bwMode="auto">
           <a:xfrm>
-            <a:off x="5869497" y="1504525"/>
+            <a:off x="6075051" y="1539965"/>
             <a:ext cx="428809" cy="417881"/>
           </a:xfrm>
           <a:prstGeom prst="rect">
@@ -20347,7 +20776,7 @@
         </p:nvGrpSpPr>
         <p:grpSpPr>
           <a:xfrm>
-            <a:off x="6291553" y="1028233"/>
+            <a:off x="6497107" y="1063673"/>
             <a:ext cx="1700096" cy="1366933"/>
             <a:chOff x="4505213" y="3041810"/>
             <a:chExt cx="1867822" cy="1366933"/>
@@ -20680,6 +21109,99 @@
           </a:prstGeom>
         </p:spPr>
       </p:pic>
+      <p:sp>
+        <p:nvSpPr>
+          <p:cNvPr id="3" name="TextBox 2">
+            <a:extLst>
+              <a:ext uri="{FF2B5EF4-FFF2-40B4-BE49-F238E27FC236}">
+                <a16:creationId xmlns:a16="http://schemas.microsoft.com/office/drawing/2014/main" id="{2EA81B0E-542C-4323-9541-A0EC4DB51C41}"/>
+              </a:ext>
+            </a:extLst>
+          </p:cNvPr>
+          <p:cNvSpPr txBox="1"/>
+          <p:nvPr/>
+        </p:nvSpPr>
+        <p:spPr>
+          <a:xfrm>
+            <a:off x="396950" y="2491343"/>
+            <a:ext cx="2551814" cy="646331"/>
+          </a:xfrm>
+          <a:prstGeom prst="rect">
+            <a:avLst/>
+          </a:prstGeom>
+          <a:noFill/>
+        </p:spPr>
+        <p:txBody>
+          <a:bodyPr wrap="square" rtlCol="0">
+            <a:spAutoFit/>
+          </a:bodyPr>
+          <a:lstStyle/>
+          <a:p>
+            <a:pPr algn="just"/>
+            <a:r>
+              <a:rPr lang="en-US" sz="1200" dirty="0">
+                <a:latin typeface="Calibri" panose="020F0502020204030204" pitchFamily="34" charset="0"/>
+                <a:cs typeface="Calibri" panose="020F0502020204030204" pitchFamily="34" charset="0"/>
+              </a:rPr>
+              <a:t>This app demonstrates what kind of information are being extracted from each social media posts using AI</a:t>
+            </a:r>
+            <a:endParaRPr lang="en-IN" sz="1200" dirty="0">
+              <a:latin typeface="Calibri" panose="020F0502020204030204" pitchFamily="34" charset="0"/>
+              <a:cs typeface="Calibri" panose="020F0502020204030204" pitchFamily="34" charset="0"/>
+            </a:endParaRPr>
+          </a:p>
+        </p:txBody>
+      </p:sp>
+      <p:sp>
+        <p:nvSpPr>
+          <p:cNvPr id="4" name="Arrow: Pentagon 3">
+            <a:extLst>
+              <a:ext uri="{FF2B5EF4-FFF2-40B4-BE49-F238E27FC236}">
+                <a16:creationId xmlns:a16="http://schemas.microsoft.com/office/drawing/2014/main" id="{60E9CDE9-6B71-45B2-B01B-41B2EC9E597B}"/>
+              </a:ext>
+            </a:extLst>
+          </p:cNvPr>
+          <p:cNvSpPr/>
+          <p:nvPr/>
+        </p:nvSpPr>
+        <p:spPr>
+          <a:xfrm>
+            <a:off x="396950" y="1981624"/>
+            <a:ext cx="2799907" cy="1665768"/>
+          </a:xfrm>
+          <a:prstGeom prst="homePlate">
+            <a:avLst/>
+          </a:prstGeom>
+          <a:noFill/>
+          <a:ln w="9525">
+            <a:prstDash val="sysDash"/>
+          </a:ln>
+        </p:spPr>
+        <p:style>
+          <a:lnRef idx="2">
+            <a:schemeClr val="accent1">
+              <a:shade val="50000"/>
+            </a:schemeClr>
+          </a:lnRef>
+          <a:fillRef idx="1">
+            <a:schemeClr val="accent1"/>
+          </a:fillRef>
+          <a:effectRef idx="0">
+            <a:schemeClr val="accent1"/>
+          </a:effectRef>
+          <a:fontRef idx="minor">
+            <a:schemeClr val="lt1"/>
+          </a:fontRef>
+        </p:style>
+        <p:txBody>
+          <a:bodyPr rtlCol="0" anchor="ctr"/>
+          <a:lstStyle/>
+          <a:p>
+            <a:pPr algn="ctr"/>
+            <a:endParaRPr lang="en-IN"/>
+          </a:p>
+        </p:txBody>
+      </p:sp>
     </p:spTree>
   </p:cSld>
   <p:clrMapOvr>
@@ -20881,14 +21403,119 @@
         </p:blipFill>
         <p:spPr>
           <a:xfrm>
-            <a:off x="2459760" y="1488230"/>
-            <a:ext cx="6528391" cy="3020090"/>
+            <a:off x="3011625" y="1639707"/>
+            <a:ext cx="5976527" cy="2764793"/>
           </a:xfrm>
           <a:prstGeom prst="rect">
             <a:avLst/>
           </a:prstGeom>
         </p:spPr>
       </p:pic>
+      <p:sp>
+        <p:nvSpPr>
+          <p:cNvPr id="9" name="TextBox 8">
+            <a:extLst>
+              <a:ext uri="{FF2B5EF4-FFF2-40B4-BE49-F238E27FC236}">
+                <a16:creationId xmlns:a16="http://schemas.microsoft.com/office/drawing/2014/main" id="{DAC47761-385F-416A-ADC1-AD17F4BD637A}"/>
+              </a:ext>
+            </a:extLst>
+          </p:cNvPr>
+          <p:cNvSpPr txBox="1"/>
+          <p:nvPr/>
+        </p:nvSpPr>
+        <p:spPr>
+          <a:xfrm>
+            <a:off x="148108" y="2514271"/>
+            <a:ext cx="2551814" cy="1015663"/>
+          </a:xfrm>
+          <a:prstGeom prst="rect">
+            <a:avLst/>
+          </a:prstGeom>
+          <a:noFill/>
+        </p:spPr>
+        <p:txBody>
+          <a:bodyPr wrap="square" rtlCol="0">
+            <a:spAutoFit/>
+          </a:bodyPr>
+          <a:lstStyle/>
+          <a:p>
+            <a:pPr algn="just"/>
+            <a:r>
+              <a:rPr lang="en-US" sz="1200" dirty="0">
+                <a:latin typeface="Calibri" panose="020F0502020204030204" pitchFamily="34" charset="0"/>
+                <a:cs typeface="Calibri" panose="020F0502020204030204" pitchFamily="34" charset="0"/>
+              </a:rPr>
+              <a:t>This is the database where all the processed data is being stored for analysis. It contains the actual text of the SM post, it’s time and other</a:t>
+            </a:r>
+          </a:p>
+          <a:p>
+            <a:pPr algn="just"/>
+            <a:r>
+              <a:rPr lang="en-US" sz="1200" dirty="0">
+                <a:latin typeface="Calibri" panose="020F0502020204030204" pitchFamily="34" charset="0"/>
+                <a:cs typeface="Calibri" panose="020F0502020204030204" pitchFamily="34" charset="0"/>
+              </a:rPr>
+              <a:t>Information</a:t>
+            </a:r>
+            <a:endParaRPr lang="en-IN" sz="1200" dirty="0">
+              <a:latin typeface="Calibri" panose="020F0502020204030204" pitchFamily="34" charset="0"/>
+              <a:cs typeface="Calibri" panose="020F0502020204030204" pitchFamily="34" charset="0"/>
+            </a:endParaRPr>
+          </a:p>
+        </p:txBody>
+      </p:sp>
+      <p:sp>
+        <p:nvSpPr>
+          <p:cNvPr id="10" name="Arrow: Pentagon 9">
+            <a:extLst>
+              <a:ext uri="{FF2B5EF4-FFF2-40B4-BE49-F238E27FC236}">
+                <a16:creationId xmlns:a16="http://schemas.microsoft.com/office/drawing/2014/main" id="{C54E89BD-82C2-49E8-9D68-A056C08E0AB9}"/>
+              </a:ext>
+            </a:extLst>
+          </p:cNvPr>
+          <p:cNvSpPr/>
+          <p:nvPr/>
+        </p:nvSpPr>
+        <p:spPr>
+          <a:xfrm>
+            <a:off x="155849" y="2108687"/>
+            <a:ext cx="2760852" cy="1665768"/>
+          </a:xfrm>
+          <a:prstGeom prst="homePlate">
+            <a:avLst>
+              <a:gd name="adj" fmla="val 44468"/>
+            </a:avLst>
+          </a:prstGeom>
+          <a:noFill/>
+          <a:ln w="9525">
+            <a:prstDash val="sysDash"/>
+          </a:ln>
+        </p:spPr>
+        <p:style>
+          <a:lnRef idx="2">
+            <a:schemeClr val="accent1">
+              <a:shade val="50000"/>
+            </a:schemeClr>
+          </a:lnRef>
+          <a:fillRef idx="1">
+            <a:schemeClr val="accent1"/>
+          </a:fillRef>
+          <a:effectRef idx="0">
+            <a:schemeClr val="accent1"/>
+          </a:effectRef>
+          <a:fontRef idx="minor">
+            <a:schemeClr val="lt1"/>
+          </a:fontRef>
+        </p:style>
+        <p:txBody>
+          <a:bodyPr rtlCol="0" anchor="ctr"/>
+          <a:lstStyle/>
+          <a:p>
+            <a:pPr algn="ctr"/>
+            <a:endParaRPr lang="en-IN"/>
+          </a:p>
+        </p:txBody>
+      </p:sp>
     </p:spTree>
     <p:extLst>
       <p:ext uri="{BB962C8B-B14F-4D97-AF65-F5344CB8AC3E}">

--- a/radiant_ranger_ksp_datathon_prototype_round.pptx
+++ b/radiant_ranger_ksp_datathon_prototype_round.pptx
@@ -16501,9 +16501,80 @@
                 <a:solidFill>
                   <a:srgbClr val="2F49AF"/>
                 </a:solidFill>
-                <a:hlinkClick r:id="rId4"/>
+                <a:hlinkClick r:id="rId4">
+                  <a:extLst>
+                    <a:ext uri="{A12FA001-AC4F-418D-AE19-62706E023703}">
+                      <ahyp:hlinkClr xmlns:ahyp="http://schemas.microsoft.com/office/drawing/2018/hyperlinkcolor" val="tx"/>
+                    </a:ext>
+                  </a:extLst>
+                </a:hlinkClick>
               </a:rPr>
-              <a:t>https://github.com/Ankan54/ksp-hackathon-radiant-ranger</a:t>
+              <a:t>https://github.com/Ankan54/</a:t>
+            </a:r>
+            <a:r>
+              <a:rPr lang="en-IN" u="sng" dirty="0">
+                <a:solidFill>
+                  <a:srgbClr val="2F49AF"/>
+                </a:solidFill>
+                <a:hlinkClick r:id="rId5">
+                  <a:extLst>
+                    <a:ext uri="{A12FA001-AC4F-418D-AE19-62706E023703}">
+                      <ahyp:hlinkClr xmlns:ahyp="http://schemas.microsoft.com/office/drawing/2018/hyperlinkcolor" val="tx"/>
+                    </a:ext>
+                  </a:extLst>
+                </a:hlinkClick>
+              </a:rPr>
+              <a:t>ksp-hackathon-radiant-ranger</a:t>
+            </a:r>
+            <a:endParaRPr lang="en-IN" u="sng" dirty="0">
+              <a:solidFill>
+                <a:srgbClr val="2F49AF"/>
+              </a:solidFill>
+            </a:endParaRPr>
+          </a:p>
+        </p:txBody>
+      </p:sp>
+      <p:sp>
+        <p:nvSpPr>
+          <p:cNvPr id="3" name="Rectangle 2">
+            <a:extLst>
+              <a:ext uri="{FF2B5EF4-FFF2-40B4-BE49-F238E27FC236}">
+                <a16:creationId xmlns:a16="http://schemas.microsoft.com/office/drawing/2014/main" id="{12FEAD48-8FA0-4589-8644-3796C47D422C}"/>
+              </a:ext>
+            </a:extLst>
+          </p:cNvPr>
+          <p:cNvSpPr/>
+          <p:nvPr/>
+        </p:nvSpPr>
+        <p:spPr>
+          <a:xfrm>
+            <a:off x="563526" y="3082680"/>
+            <a:ext cx="7857460" cy="307777"/>
+          </a:xfrm>
+          <a:prstGeom prst="rect">
+            <a:avLst/>
+          </a:prstGeom>
+        </p:spPr>
+        <p:txBody>
+          <a:bodyPr wrap="square">
+            <a:spAutoFit/>
+          </a:bodyPr>
+          <a:lstStyle/>
+          <a:p>
+            <a:r>
+              <a:rPr lang="en-IN" u="sng" dirty="0">
+                <a:solidFill>
+                  <a:srgbClr val="2F49AF"/>
+                </a:solidFill>
+                <a:hlinkClick r:id="rId6">
+                  <a:extLst>
+                    <a:ext uri="{A12FA001-AC4F-418D-AE19-62706E023703}">
+                      <ahyp:hlinkClr xmlns:ahyp="http://schemas.microsoft.com/office/drawing/2018/hyperlinkcolor" val="tx"/>
+                    </a:ext>
+                  </a:extLst>
+                </a:hlinkClick>
+              </a:rPr>
+              <a:t>https://drive.google.com/file/d/1TRsYCmJyxMHgJmRTN_94RPCixIQtjIiX/view?usp=drive_link</a:t>
             </a:r>
             <a:endParaRPr lang="en-IN" u="sng" dirty="0">
               <a:solidFill>

--- a/radiant_ranger_ksp_datathon_prototype_round.pptx
+++ b/radiant_ranger_ksp_datathon_prototype_round.pptx
@@ -11,8 +11,8 @@
     <p:sldId id="256" r:id="rId2"/>
     <p:sldId id="257" r:id="rId3"/>
     <p:sldId id="258" r:id="rId4"/>
-    <p:sldId id="259" r:id="rId5"/>
-    <p:sldId id="268" r:id="rId6"/>
+    <p:sldId id="268" r:id="rId5"/>
+    <p:sldId id="273" r:id="rId6"/>
     <p:sldId id="260" r:id="rId7"/>
     <p:sldId id="261" r:id="rId8"/>
     <p:sldId id="262" r:id="rId9"/>
@@ -10385,6 +10385,11 @@
         </p:txBody>
       </p:sp>
     </p:spTree>
+    <p:extLst>
+      <p:ext uri="{BB962C8B-B14F-4D97-AF65-F5344CB8AC3E}">
+        <p14:creationId xmlns:p14="http://schemas.microsoft.com/office/powerpoint/2010/main" val="560836710"/>
+      </p:ext>
+    </p:extLst>
   </p:cSld>
   <p:clrMapOvr>
     <a:masterClrMapping/>
@@ -10491,7 +10496,7 @@
     </p:spTree>
     <p:extLst>
       <p:ext uri="{BB962C8B-B14F-4D97-AF65-F5344CB8AC3E}">
-        <p14:creationId xmlns:p14="http://schemas.microsoft.com/office/powerpoint/2010/main" val="560836710"/>
+        <p14:creationId xmlns:p14="http://schemas.microsoft.com/office/powerpoint/2010/main" val="678723432"/>
       </p:ext>
     </p:extLst>
   </p:cSld>
@@ -18904,652 +18909,6 @@
           </a:p>
         </p:txBody>
       </p:sp>
-      <p:sp>
-        <p:nvSpPr>
-          <p:cNvPr id="79" name="Google Shape;79;p16"/>
-          <p:cNvSpPr txBox="1">
-            <a:spLocks noGrp="1"/>
-          </p:cNvSpPr>
-          <p:nvPr>
-            <p:ph type="body" idx="1"/>
-          </p:nvPr>
-        </p:nvSpPr>
-        <p:spPr>
-          <a:xfrm>
-            <a:off x="311700" y="1152475"/>
-            <a:ext cx="8520600" cy="3416400"/>
-          </a:xfrm>
-          <a:prstGeom prst="rect">
-            <a:avLst/>
-          </a:prstGeom>
-        </p:spPr>
-        <p:txBody>
-          <a:bodyPr spcFirstLastPara="1" wrap="square" lIns="91425" tIns="91425" rIns="91425" bIns="91425" anchor="t" anchorCtr="0">
-            <a:normAutofit/>
-          </a:bodyPr>
-          <a:lstStyle/>
-          <a:p>
-            <a:pPr marL="0" lvl="0" indent="0" algn="l" rtl="0">
-              <a:spcBef>
-                <a:spcPts val="0"/>
-              </a:spcBef>
-              <a:spcAft>
-                <a:spcPts val="1200"/>
-              </a:spcAft>
-              <a:buNone/>
-            </a:pPr>
-            <a:endParaRPr/>
-          </a:p>
-        </p:txBody>
-      </p:sp>
-      <p:pic>
-        <p:nvPicPr>
-          <p:cNvPr id="80" name="Google Shape;80;p16"/>
-          <p:cNvPicPr preferRelativeResize="0"/>
-          <p:nvPr/>
-        </p:nvPicPr>
-        <p:blipFill>
-          <a:blip r:embed="rId3">
-            <a:alphaModFix/>
-          </a:blip>
-          <a:stretch>
-            <a:fillRect/>
-          </a:stretch>
-        </p:blipFill>
-        <p:spPr>
-          <a:xfrm>
-            <a:off x="0" y="0"/>
-            <a:ext cx="9144003" cy="5143501"/>
-          </a:xfrm>
-          <a:prstGeom prst="rect">
-            <a:avLst/>
-          </a:prstGeom>
-          <a:noFill/>
-          <a:ln>
-            <a:noFill/>
-          </a:ln>
-        </p:spPr>
-      </p:pic>
-      <p:pic>
-        <p:nvPicPr>
-          <p:cNvPr id="6" name="Picture 5">
-            <a:extLst>
-              <a:ext uri="{FF2B5EF4-FFF2-40B4-BE49-F238E27FC236}">
-                <a16:creationId xmlns:a16="http://schemas.microsoft.com/office/drawing/2014/main" id="{09591489-6238-4B27-90A1-5105964EACAD}"/>
-              </a:ext>
-            </a:extLst>
-          </p:cNvPr>
-          <p:cNvPicPr>
-            <a:picLocks noChangeAspect="1"/>
-          </p:cNvPicPr>
-          <p:nvPr/>
-        </p:nvPicPr>
-        <p:blipFill>
-          <a:blip r:embed="rId4"/>
-          <a:stretch>
-            <a:fillRect/>
-          </a:stretch>
-        </p:blipFill>
-        <p:spPr>
-          <a:xfrm>
-            <a:off x="1221877" y="1159402"/>
-            <a:ext cx="6682047" cy="3548777"/>
-          </a:xfrm>
-          <a:prstGeom prst="rect">
-            <a:avLst/>
-          </a:prstGeom>
-        </p:spPr>
-      </p:pic>
-      <p:sp>
-        <p:nvSpPr>
-          <p:cNvPr id="7" name="Google Shape;80;p16">
-            <a:extLst>
-              <a:ext uri="{FF2B5EF4-FFF2-40B4-BE49-F238E27FC236}">
-                <a16:creationId xmlns:a16="http://schemas.microsoft.com/office/drawing/2014/main" id="{2A45FA4F-C9D0-456A-BF4D-72ADD3A8F203}"/>
-              </a:ext>
-            </a:extLst>
-          </p:cNvPr>
-          <p:cNvSpPr txBox="1"/>
-          <p:nvPr/>
-        </p:nvSpPr>
-        <p:spPr>
-          <a:xfrm>
-            <a:off x="0" y="666802"/>
-            <a:ext cx="8680800" cy="492600"/>
-          </a:xfrm>
-          <a:prstGeom prst="rect">
-            <a:avLst/>
-          </a:prstGeom>
-          <a:noFill/>
-          <a:ln>
-            <a:noFill/>
-          </a:ln>
-        </p:spPr>
-        <p:txBody>
-          <a:bodyPr spcFirstLastPara="1" wrap="square" lIns="91425" tIns="91425" rIns="91425" bIns="91425" anchor="t" anchorCtr="0">
-            <a:noAutofit/>
-          </a:bodyPr>
-          <a:lstStyle/>
-          <a:p>
-            <a:pPr marL="0" lvl="0" indent="0" algn="l" rtl="0">
-              <a:spcBef>
-                <a:spcPts val="0"/>
-              </a:spcBef>
-              <a:spcAft>
-                <a:spcPts val="0"/>
-              </a:spcAft>
-              <a:buNone/>
-            </a:pPr>
-            <a:r>
-              <a:rPr lang="en-GB" sz="1800" dirty="0">
-                <a:solidFill>
-                  <a:srgbClr val="595959"/>
-                </a:solidFill>
-                <a:latin typeface="Cambria" panose="02040503050406030204" pitchFamily="18" charset="0"/>
-                <a:ea typeface="Cambria" panose="02040503050406030204" pitchFamily="18" charset="0"/>
-              </a:rPr>
-              <a:t>Logical Architecture</a:t>
-            </a:r>
-            <a:endParaRPr sz="1800" dirty="0">
-              <a:solidFill>
-                <a:srgbClr val="595959"/>
-              </a:solidFill>
-              <a:latin typeface="Cambria" panose="02040503050406030204" pitchFamily="18" charset="0"/>
-              <a:ea typeface="Cambria" panose="02040503050406030204" pitchFamily="18" charset="0"/>
-            </a:endParaRPr>
-          </a:p>
-        </p:txBody>
-      </p:sp>
-      <p:sp>
-        <p:nvSpPr>
-          <p:cNvPr id="8" name="TextBox 7">
-            <a:extLst>
-              <a:ext uri="{FF2B5EF4-FFF2-40B4-BE49-F238E27FC236}">
-                <a16:creationId xmlns:a16="http://schemas.microsoft.com/office/drawing/2014/main" id="{1E01B94F-8816-4BCA-AD04-0FB5B227E49E}"/>
-              </a:ext>
-            </a:extLst>
-          </p:cNvPr>
-          <p:cNvSpPr txBox="1"/>
-          <p:nvPr/>
-        </p:nvSpPr>
-        <p:spPr>
-          <a:xfrm>
-            <a:off x="2161309" y="4671924"/>
-            <a:ext cx="686406" cy="253916"/>
-          </a:xfrm>
-          <a:prstGeom prst="rect">
-            <a:avLst/>
-          </a:prstGeom>
-          <a:noFill/>
-        </p:spPr>
-        <p:txBody>
-          <a:bodyPr wrap="none" rtlCol="0">
-            <a:spAutoFit/>
-          </a:bodyPr>
-          <a:lstStyle/>
-          <a:p>
-            <a:r>
-              <a:rPr lang="en-US" sz="1050" i="1" dirty="0">
-                <a:solidFill>
-                  <a:schemeClr val="accent1">
-                    <a:lumMod val="75000"/>
-                  </a:schemeClr>
-                </a:solidFill>
-                <a:latin typeface="Calibri" panose="020F0502020204030204" pitchFamily="34" charset="0"/>
-                <a:cs typeface="Calibri" panose="020F0502020204030204" pitchFamily="34" charset="0"/>
-              </a:rPr>
-              <a:t>Ingestion</a:t>
-            </a:r>
-            <a:endParaRPr lang="en-IN" sz="1050" i="1" dirty="0">
-              <a:solidFill>
-                <a:schemeClr val="accent1">
-                  <a:lumMod val="75000"/>
-                </a:schemeClr>
-              </a:solidFill>
-              <a:latin typeface="Calibri" panose="020F0502020204030204" pitchFamily="34" charset="0"/>
-              <a:cs typeface="Calibri" panose="020F0502020204030204" pitchFamily="34" charset="0"/>
-            </a:endParaRPr>
-          </a:p>
-        </p:txBody>
-      </p:sp>
-      <p:sp>
-        <p:nvSpPr>
-          <p:cNvPr id="9" name="TextBox 8">
-            <a:extLst>
-              <a:ext uri="{FF2B5EF4-FFF2-40B4-BE49-F238E27FC236}">
-                <a16:creationId xmlns:a16="http://schemas.microsoft.com/office/drawing/2014/main" id="{09F9B2EC-0033-4595-8157-F081A09FC1BF}"/>
-              </a:ext>
-            </a:extLst>
-          </p:cNvPr>
-          <p:cNvSpPr txBox="1"/>
-          <p:nvPr/>
-        </p:nvSpPr>
-        <p:spPr>
-          <a:xfrm>
-            <a:off x="3667077" y="4671924"/>
-            <a:ext cx="805029" cy="253916"/>
-          </a:xfrm>
-          <a:prstGeom prst="rect">
-            <a:avLst/>
-          </a:prstGeom>
-          <a:noFill/>
-        </p:spPr>
-        <p:txBody>
-          <a:bodyPr wrap="none" rtlCol="0">
-            <a:spAutoFit/>
-          </a:bodyPr>
-          <a:lstStyle/>
-          <a:p>
-            <a:r>
-              <a:rPr lang="en-US" sz="1050" i="1" dirty="0">
-                <a:solidFill>
-                  <a:schemeClr val="accent1">
-                    <a:lumMod val="75000"/>
-                  </a:schemeClr>
-                </a:solidFill>
-                <a:latin typeface="Calibri" panose="020F0502020204030204" pitchFamily="34" charset="0"/>
-                <a:cs typeface="Calibri" panose="020F0502020204030204" pitchFamily="34" charset="0"/>
-              </a:rPr>
-              <a:t>Enrichment</a:t>
-            </a:r>
-            <a:endParaRPr lang="en-IN" sz="1050" i="1" dirty="0">
-              <a:solidFill>
-                <a:schemeClr val="accent1">
-                  <a:lumMod val="75000"/>
-                </a:schemeClr>
-              </a:solidFill>
-              <a:latin typeface="Calibri" panose="020F0502020204030204" pitchFamily="34" charset="0"/>
-              <a:cs typeface="Calibri" panose="020F0502020204030204" pitchFamily="34" charset="0"/>
-            </a:endParaRPr>
-          </a:p>
-        </p:txBody>
-      </p:sp>
-      <p:sp>
-        <p:nvSpPr>
-          <p:cNvPr id="10" name="TextBox 9">
-            <a:extLst>
-              <a:ext uri="{FF2B5EF4-FFF2-40B4-BE49-F238E27FC236}">
-                <a16:creationId xmlns:a16="http://schemas.microsoft.com/office/drawing/2014/main" id="{8D673AE9-2E9F-4926-8178-A3F5F3CFD4EB}"/>
-              </a:ext>
-            </a:extLst>
-          </p:cNvPr>
-          <p:cNvSpPr txBox="1"/>
-          <p:nvPr/>
-        </p:nvSpPr>
-        <p:spPr>
-          <a:xfrm>
-            <a:off x="5267277" y="4671924"/>
-            <a:ext cx="607859" cy="253916"/>
-          </a:xfrm>
-          <a:prstGeom prst="rect">
-            <a:avLst/>
-          </a:prstGeom>
-          <a:noFill/>
-        </p:spPr>
-        <p:txBody>
-          <a:bodyPr wrap="none" rtlCol="0">
-            <a:spAutoFit/>
-          </a:bodyPr>
-          <a:lstStyle/>
-          <a:p>
-            <a:r>
-              <a:rPr lang="en-US" sz="1050" i="1" dirty="0">
-                <a:solidFill>
-                  <a:schemeClr val="accent1">
-                    <a:lumMod val="75000"/>
-                  </a:schemeClr>
-                </a:solidFill>
-                <a:latin typeface="Calibri" panose="020F0502020204030204" pitchFamily="34" charset="0"/>
-                <a:cs typeface="Calibri" panose="020F0502020204030204" pitchFamily="34" charset="0"/>
-              </a:rPr>
-              <a:t>Storage</a:t>
-            </a:r>
-            <a:endParaRPr lang="en-IN" sz="1050" i="1" dirty="0">
-              <a:solidFill>
-                <a:schemeClr val="accent1">
-                  <a:lumMod val="75000"/>
-                </a:schemeClr>
-              </a:solidFill>
-              <a:latin typeface="Calibri" panose="020F0502020204030204" pitchFamily="34" charset="0"/>
-              <a:cs typeface="Calibri" panose="020F0502020204030204" pitchFamily="34" charset="0"/>
-            </a:endParaRPr>
-          </a:p>
-        </p:txBody>
-      </p:sp>
-      <p:sp>
-        <p:nvSpPr>
-          <p:cNvPr id="11" name="TextBox 10">
-            <a:extLst>
-              <a:ext uri="{FF2B5EF4-FFF2-40B4-BE49-F238E27FC236}">
-                <a16:creationId xmlns:a16="http://schemas.microsoft.com/office/drawing/2014/main" id="{6293A378-767A-42A6-9FF4-2A8A381CF39C}"/>
-              </a:ext>
-            </a:extLst>
-          </p:cNvPr>
-          <p:cNvSpPr txBox="1"/>
-          <p:nvPr/>
-        </p:nvSpPr>
-        <p:spPr>
-          <a:xfrm>
-            <a:off x="6524840" y="4671924"/>
-            <a:ext cx="878767" cy="253916"/>
-          </a:xfrm>
-          <a:prstGeom prst="rect">
-            <a:avLst/>
-          </a:prstGeom>
-          <a:noFill/>
-        </p:spPr>
-        <p:txBody>
-          <a:bodyPr wrap="none" rtlCol="0">
-            <a:spAutoFit/>
-          </a:bodyPr>
-          <a:lstStyle/>
-          <a:p>
-            <a:r>
-              <a:rPr lang="en-US" sz="1050" i="1" dirty="0">
-                <a:solidFill>
-                  <a:schemeClr val="accent1">
-                    <a:lumMod val="75000"/>
-                  </a:schemeClr>
-                </a:solidFill>
-                <a:latin typeface="Calibri" panose="020F0502020204030204" pitchFamily="34" charset="0"/>
-                <a:cs typeface="Calibri" panose="020F0502020204030204" pitchFamily="34" charset="0"/>
-              </a:rPr>
-              <a:t>Visualization</a:t>
-            </a:r>
-            <a:endParaRPr lang="en-IN" sz="1050" i="1" dirty="0">
-              <a:solidFill>
-                <a:schemeClr val="accent1">
-                  <a:lumMod val="75000"/>
-                </a:schemeClr>
-              </a:solidFill>
-              <a:latin typeface="Calibri" panose="020F0502020204030204" pitchFamily="34" charset="0"/>
-              <a:cs typeface="Calibri" panose="020F0502020204030204" pitchFamily="34" charset="0"/>
-            </a:endParaRPr>
-          </a:p>
-        </p:txBody>
-      </p:sp>
-      <p:cxnSp>
-        <p:nvCxnSpPr>
-          <p:cNvPr id="12" name="Straight Connector 11">
-            <a:extLst>
-              <a:ext uri="{FF2B5EF4-FFF2-40B4-BE49-F238E27FC236}">
-                <a16:creationId xmlns:a16="http://schemas.microsoft.com/office/drawing/2014/main" id="{59A7DC01-D646-4444-A56D-087DCB9D5C28}"/>
-              </a:ext>
-            </a:extLst>
-          </p:cNvPr>
-          <p:cNvCxnSpPr/>
-          <p:nvPr/>
-        </p:nvCxnSpPr>
-        <p:spPr>
-          <a:xfrm>
-            <a:off x="3318164" y="1267691"/>
-            <a:ext cx="0" cy="3658149"/>
-          </a:xfrm>
-          <a:prstGeom prst="line">
-            <a:avLst/>
-          </a:prstGeom>
-          <a:ln>
-            <a:solidFill>
-              <a:schemeClr val="bg2">
-                <a:lumMod val="20000"/>
-                <a:lumOff val="80000"/>
-              </a:schemeClr>
-            </a:solidFill>
-            <a:prstDash val="dash"/>
-          </a:ln>
-        </p:spPr>
-        <p:style>
-          <a:lnRef idx="1">
-            <a:schemeClr val="accent1"/>
-          </a:lnRef>
-          <a:fillRef idx="0">
-            <a:schemeClr val="accent1"/>
-          </a:fillRef>
-          <a:effectRef idx="0">
-            <a:schemeClr val="accent1"/>
-          </a:effectRef>
-          <a:fontRef idx="minor">
-            <a:schemeClr val="tx1"/>
-          </a:fontRef>
-        </p:style>
-      </p:cxnSp>
-      <p:cxnSp>
-        <p:nvCxnSpPr>
-          <p:cNvPr id="13" name="Straight Connector 12">
-            <a:extLst>
-              <a:ext uri="{FF2B5EF4-FFF2-40B4-BE49-F238E27FC236}">
-                <a16:creationId xmlns:a16="http://schemas.microsoft.com/office/drawing/2014/main" id="{ED7CA7F4-53E3-4124-8CFC-7A4863710D1E}"/>
-              </a:ext>
-            </a:extLst>
-          </p:cNvPr>
-          <p:cNvCxnSpPr/>
-          <p:nvPr/>
-        </p:nvCxnSpPr>
-        <p:spPr>
-          <a:xfrm>
-            <a:off x="4966861" y="1267690"/>
-            <a:ext cx="0" cy="3658149"/>
-          </a:xfrm>
-          <a:prstGeom prst="line">
-            <a:avLst/>
-          </a:prstGeom>
-          <a:ln>
-            <a:solidFill>
-              <a:schemeClr val="bg2">
-                <a:lumMod val="20000"/>
-                <a:lumOff val="80000"/>
-              </a:schemeClr>
-            </a:solidFill>
-            <a:prstDash val="dash"/>
-          </a:ln>
-        </p:spPr>
-        <p:style>
-          <a:lnRef idx="1">
-            <a:schemeClr val="accent1"/>
-          </a:lnRef>
-          <a:fillRef idx="0">
-            <a:schemeClr val="accent1"/>
-          </a:fillRef>
-          <a:effectRef idx="0">
-            <a:schemeClr val="accent1"/>
-          </a:effectRef>
-          <a:fontRef idx="minor">
-            <a:schemeClr val="tx1"/>
-          </a:fontRef>
-        </p:style>
-      </p:cxnSp>
-      <p:cxnSp>
-        <p:nvCxnSpPr>
-          <p:cNvPr id="14" name="Straight Connector 13">
-            <a:extLst>
-              <a:ext uri="{FF2B5EF4-FFF2-40B4-BE49-F238E27FC236}">
-                <a16:creationId xmlns:a16="http://schemas.microsoft.com/office/drawing/2014/main" id="{857EC3FA-3778-4618-95EF-D8F470540783}"/>
-              </a:ext>
-            </a:extLst>
-          </p:cNvPr>
-          <p:cNvCxnSpPr/>
-          <p:nvPr/>
-        </p:nvCxnSpPr>
-        <p:spPr>
-          <a:xfrm>
-            <a:off x="6102932" y="1267690"/>
-            <a:ext cx="0" cy="3658149"/>
-          </a:xfrm>
-          <a:prstGeom prst="line">
-            <a:avLst/>
-          </a:prstGeom>
-          <a:ln>
-            <a:solidFill>
-              <a:schemeClr val="bg2">
-                <a:lumMod val="20000"/>
-                <a:lumOff val="80000"/>
-              </a:schemeClr>
-            </a:solidFill>
-            <a:prstDash val="dash"/>
-          </a:ln>
-        </p:spPr>
-        <p:style>
-          <a:lnRef idx="1">
-            <a:schemeClr val="accent1"/>
-          </a:lnRef>
-          <a:fillRef idx="0">
-            <a:schemeClr val="accent1"/>
-          </a:fillRef>
-          <a:effectRef idx="0">
-            <a:schemeClr val="accent1"/>
-          </a:effectRef>
-          <a:fontRef idx="minor">
-            <a:schemeClr val="tx1"/>
-          </a:fontRef>
-        </p:style>
-      </p:cxnSp>
-      <p:sp>
-        <p:nvSpPr>
-          <p:cNvPr id="15" name="TextBox 14">
-            <a:extLst>
-              <a:ext uri="{FF2B5EF4-FFF2-40B4-BE49-F238E27FC236}">
-                <a16:creationId xmlns:a16="http://schemas.microsoft.com/office/drawing/2014/main" id="{126FFFDC-C01D-45B1-A1C8-6CDB1D8080D8}"/>
-              </a:ext>
-            </a:extLst>
-          </p:cNvPr>
-          <p:cNvSpPr txBox="1"/>
-          <p:nvPr/>
-        </p:nvSpPr>
-        <p:spPr>
-          <a:xfrm>
-            <a:off x="7260245" y="673621"/>
-            <a:ext cx="1883849" cy="584775"/>
-          </a:xfrm>
-          <a:prstGeom prst="rect">
-            <a:avLst/>
-          </a:prstGeom>
-          <a:noFill/>
-        </p:spPr>
-        <p:txBody>
-          <a:bodyPr wrap="none" rtlCol="0">
-            <a:spAutoFit/>
-          </a:bodyPr>
-          <a:lstStyle/>
-          <a:p>
-            <a:r>
-              <a:rPr lang="en-US" sz="800" i="1" dirty="0">
-                <a:solidFill>
-                  <a:srgbClr val="FF0000"/>
-                </a:solidFill>
-                <a:latin typeface="Calibri" panose="020F0502020204030204" pitchFamily="34" charset="0"/>
-                <a:cs typeface="Calibri" panose="020F0502020204030204" pitchFamily="34" charset="0"/>
-              </a:rPr>
-              <a:t>Assumption:</a:t>
-            </a:r>
-          </a:p>
-          <a:p>
-            <a:r>
-              <a:rPr lang="en-US" sz="800" i="1" dirty="0">
-                <a:solidFill>
-                  <a:srgbClr val="FF0000"/>
-                </a:solidFill>
-                <a:latin typeface="Calibri" panose="020F0502020204030204" pitchFamily="34" charset="0"/>
-                <a:cs typeface="Calibri" panose="020F0502020204030204" pitchFamily="34" charset="0"/>
-              </a:rPr>
-              <a:t>Police Personnel Details and Deployment</a:t>
-            </a:r>
-          </a:p>
-          <a:p>
-            <a:r>
-              <a:rPr lang="en-US" sz="800" i="1" dirty="0">
-                <a:solidFill>
-                  <a:srgbClr val="FF0000"/>
-                </a:solidFill>
-                <a:latin typeface="Calibri" panose="020F0502020204030204" pitchFamily="34" charset="0"/>
-                <a:cs typeface="Calibri" panose="020F0502020204030204" pitchFamily="34" charset="0"/>
-              </a:rPr>
-              <a:t>Information is already recorded in a</a:t>
-            </a:r>
-          </a:p>
-          <a:p>
-            <a:r>
-              <a:rPr lang="en-US" sz="800" i="1" dirty="0">
-                <a:solidFill>
-                  <a:srgbClr val="FF0000"/>
-                </a:solidFill>
-                <a:latin typeface="Calibri" panose="020F0502020204030204" pitchFamily="34" charset="0"/>
-                <a:cs typeface="Calibri" panose="020F0502020204030204" pitchFamily="34" charset="0"/>
-              </a:rPr>
-              <a:t> separate database</a:t>
-            </a:r>
-            <a:endParaRPr lang="en-IN" sz="800" i="1" dirty="0">
-              <a:solidFill>
-                <a:srgbClr val="FF0000"/>
-              </a:solidFill>
-              <a:latin typeface="Calibri" panose="020F0502020204030204" pitchFamily="34" charset="0"/>
-              <a:cs typeface="Calibri" panose="020F0502020204030204" pitchFamily="34" charset="0"/>
-            </a:endParaRPr>
-          </a:p>
-        </p:txBody>
-      </p:sp>
-    </p:spTree>
-  </p:cSld>
-  <p:clrMapOvr>
-    <a:masterClrMapping/>
-  </p:clrMapOvr>
-</p:sld>
-</file>
-
-<file path=ppt/slides/slide5.xml><?xml version="1.0" encoding="utf-8"?>
-<p:sld xmlns:a="http://schemas.openxmlformats.org/drawingml/2006/main" xmlns:r="http://schemas.openxmlformats.org/officeDocument/2006/relationships" xmlns:p="http://schemas.openxmlformats.org/presentationml/2006/main">
-  <p:cSld>
-    <p:spTree>
-      <p:nvGrpSpPr>
-        <p:cNvPr id="1" name="Shape 77"/>
-        <p:cNvGrpSpPr/>
-        <p:nvPr/>
-      </p:nvGrpSpPr>
-      <p:grpSpPr>
-        <a:xfrm>
-          <a:off x="0" y="0"/>
-          <a:ext cx="0" cy="0"/>
-          <a:chOff x="0" y="0"/>
-          <a:chExt cx="0" cy="0"/>
-        </a:xfrm>
-      </p:grpSpPr>
-      <p:sp>
-        <p:nvSpPr>
-          <p:cNvPr id="78" name="Google Shape;78;p16"/>
-          <p:cNvSpPr txBox="1">
-            <a:spLocks noGrp="1"/>
-          </p:cNvSpPr>
-          <p:nvPr>
-            <p:ph type="title"/>
-          </p:nvPr>
-        </p:nvSpPr>
-        <p:spPr>
-          <a:xfrm>
-            <a:off x="311700" y="445025"/>
-            <a:ext cx="8520600" cy="572700"/>
-          </a:xfrm>
-          <a:prstGeom prst="rect">
-            <a:avLst/>
-          </a:prstGeom>
-        </p:spPr>
-        <p:txBody>
-          <a:bodyPr spcFirstLastPara="1" wrap="square" lIns="91425" tIns="91425" rIns="91425" bIns="91425" anchor="t" anchorCtr="0">
-            <a:normAutofit fontScale="90000"/>
-          </a:bodyPr>
-          <a:lstStyle/>
-          <a:p>
-            <a:pPr marL="0" lvl="0" indent="0" algn="l" rtl="0">
-              <a:spcBef>
-                <a:spcPts val="0"/>
-              </a:spcBef>
-              <a:spcAft>
-                <a:spcPts val="0"/>
-              </a:spcAft>
-              <a:buNone/>
-            </a:pPr>
-            <a:endParaRPr/>
-          </a:p>
-        </p:txBody>
-      </p:sp>
       <p:pic>
         <p:nvPicPr>
           <p:cNvPr id="80" name="Google Shape;80;p16"/>
@@ -19668,10 +19027,551 @@
           </a:p>
         </p:txBody>
       </p:sp>
+      <p:sp>
+        <p:nvSpPr>
+          <p:cNvPr id="6" name="TextBox 5">
+            <a:extLst>
+              <a:ext uri="{FF2B5EF4-FFF2-40B4-BE49-F238E27FC236}">
+                <a16:creationId xmlns:a16="http://schemas.microsoft.com/office/drawing/2014/main" id="{5B981E69-8528-4133-AE7D-9702B2EDBC7F}"/>
+              </a:ext>
+            </a:extLst>
+          </p:cNvPr>
+          <p:cNvSpPr txBox="1"/>
+          <p:nvPr/>
+        </p:nvSpPr>
+        <p:spPr>
+          <a:xfrm>
+            <a:off x="79724" y="4184310"/>
+            <a:ext cx="1883849" cy="584775"/>
+          </a:xfrm>
+          <a:prstGeom prst="rect">
+            <a:avLst/>
+          </a:prstGeom>
+          <a:noFill/>
+        </p:spPr>
+        <p:txBody>
+          <a:bodyPr wrap="none" rtlCol="0">
+            <a:spAutoFit/>
+          </a:bodyPr>
+          <a:lstStyle/>
+          <a:p>
+            <a:r>
+              <a:rPr lang="en-US" sz="800" i="1" dirty="0">
+                <a:solidFill>
+                  <a:srgbClr val="FF0000"/>
+                </a:solidFill>
+                <a:latin typeface="Calibri" panose="020F0502020204030204" pitchFamily="34" charset="0"/>
+                <a:cs typeface="Calibri" panose="020F0502020204030204" pitchFamily="34" charset="0"/>
+              </a:rPr>
+              <a:t>Assumption:</a:t>
+            </a:r>
+          </a:p>
+          <a:p>
+            <a:r>
+              <a:rPr lang="en-US" sz="800" i="1" dirty="0">
+                <a:solidFill>
+                  <a:srgbClr val="FF0000"/>
+                </a:solidFill>
+                <a:latin typeface="Calibri" panose="020F0502020204030204" pitchFamily="34" charset="0"/>
+                <a:cs typeface="Calibri" panose="020F0502020204030204" pitchFamily="34" charset="0"/>
+              </a:rPr>
+              <a:t>Police Personnel Details and Deployment</a:t>
+            </a:r>
+          </a:p>
+          <a:p>
+            <a:r>
+              <a:rPr lang="en-US" sz="800" i="1" dirty="0">
+                <a:solidFill>
+                  <a:srgbClr val="FF0000"/>
+                </a:solidFill>
+                <a:latin typeface="Calibri" panose="020F0502020204030204" pitchFamily="34" charset="0"/>
+                <a:cs typeface="Calibri" panose="020F0502020204030204" pitchFamily="34" charset="0"/>
+              </a:rPr>
+              <a:t>Information is already recorded in a</a:t>
+            </a:r>
+          </a:p>
+          <a:p>
+            <a:r>
+              <a:rPr lang="en-US" sz="800" i="1" dirty="0">
+                <a:solidFill>
+                  <a:srgbClr val="FF0000"/>
+                </a:solidFill>
+                <a:latin typeface="Calibri" panose="020F0502020204030204" pitchFamily="34" charset="0"/>
+                <a:cs typeface="Calibri" panose="020F0502020204030204" pitchFamily="34" charset="0"/>
+              </a:rPr>
+              <a:t> separate database</a:t>
+            </a:r>
+            <a:endParaRPr lang="en-IN" sz="800" i="1" dirty="0">
+              <a:solidFill>
+                <a:srgbClr val="FF0000"/>
+              </a:solidFill>
+              <a:latin typeface="Calibri" panose="020F0502020204030204" pitchFamily="34" charset="0"/>
+              <a:cs typeface="Calibri" panose="020F0502020204030204" pitchFamily="34" charset="0"/>
+            </a:endParaRPr>
+          </a:p>
+        </p:txBody>
+      </p:sp>
     </p:spTree>
     <p:extLst>
       <p:ext uri="{BB962C8B-B14F-4D97-AF65-F5344CB8AC3E}">
         <p14:creationId xmlns:p14="http://schemas.microsoft.com/office/powerpoint/2010/main" val="3380432769"/>
+      </p:ext>
+    </p:extLst>
+  </p:cSld>
+  <p:clrMapOvr>
+    <a:masterClrMapping/>
+  </p:clrMapOvr>
+</p:sld>
+</file>
+
+<file path=ppt/slides/slide5.xml><?xml version="1.0" encoding="utf-8"?>
+<p:sld xmlns:a="http://schemas.openxmlformats.org/drawingml/2006/main" xmlns:r="http://schemas.openxmlformats.org/officeDocument/2006/relationships" xmlns:p="http://schemas.openxmlformats.org/presentationml/2006/main">
+  <p:cSld>
+    <p:spTree>
+      <p:nvGrpSpPr>
+        <p:cNvPr id="1" name="Shape 77"/>
+        <p:cNvGrpSpPr/>
+        <p:nvPr/>
+      </p:nvGrpSpPr>
+      <p:grpSpPr>
+        <a:xfrm>
+          <a:off x="0" y="0"/>
+          <a:ext cx="0" cy="0"/>
+          <a:chOff x="0" y="0"/>
+          <a:chExt cx="0" cy="0"/>
+        </a:xfrm>
+      </p:grpSpPr>
+      <p:sp>
+        <p:nvSpPr>
+          <p:cNvPr id="78" name="Google Shape;78;p16"/>
+          <p:cNvSpPr txBox="1">
+            <a:spLocks noGrp="1"/>
+          </p:cNvSpPr>
+          <p:nvPr>
+            <p:ph type="title"/>
+          </p:nvPr>
+        </p:nvSpPr>
+        <p:spPr>
+          <a:xfrm>
+            <a:off x="311700" y="445025"/>
+            <a:ext cx="8520600" cy="572700"/>
+          </a:xfrm>
+          <a:prstGeom prst="rect">
+            <a:avLst/>
+          </a:prstGeom>
+        </p:spPr>
+        <p:txBody>
+          <a:bodyPr spcFirstLastPara="1" wrap="square" lIns="91425" tIns="91425" rIns="91425" bIns="91425" anchor="t" anchorCtr="0">
+            <a:normAutofit fontScale="90000"/>
+          </a:bodyPr>
+          <a:lstStyle/>
+          <a:p>
+            <a:pPr marL="0" lvl="0" indent="0" algn="l" rtl="0">
+              <a:spcBef>
+                <a:spcPts val="0"/>
+              </a:spcBef>
+              <a:spcAft>
+                <a:spcPts val="0"/>
+              </a:spcAft>
+              <a:buNone/>
+            </a:pPr>
+            <a:endParaRPr/>
+          </a:p>
+        </p:txBody>
+      </p:sp>
+      <p:pic>
+        <p:nvPicPr>
+          <p:cNvPr id="80" name="Google Shape;80;p16"/>
+          <p:cNvPicPr preferRelativeResize="0"/>
+          <p:nvPr/>
+        </p:nvPicPr>
+        <p:blipFill>
+          <a:blip r:embed="rId3">
+            <a:alphaModFix/>
+          </a:blip>
+          <a:stretch>
+            <a:fillRect/>
+          </a:stretch>
+        </p:blipFill>
+        <p:spPr>
+          <a:xfrm>
+            <a:off x="0" y="0"/>
+            <a:ext cx="9144003" cy="5143501"/>
+          </a:xfrm>
+          <a:prstGeom prst="rect">
+            <a:avLst/>
+          </a:prstGeom>
+          <a:noFill/>
+          <a:ln>
+            <a:noFill/>
+          </a:ln>
+        </p:spPr>
+      </p:pic>
+      <p:sp>
+        <p:nvSpPr>
+          <p:cNvPr id="7" name="Google Shape;80;p16">
+            <a:extLst>
+              <a:ext uri="{FF2B5EF4-FFF2-40B4-BE49-F238E27FC236}">
+                <a16:creationId xmlns:a16="http://schemas.microsoft.com/office/drawing/2014/main" id="{2A45FA4F-C9D0-456A-BF4D-72ADD3A8F203}"/>
+              </a:ext>
+            </a:extLst>
+          </p:cNvPr>
+          <p:cNvSpPr txBox="1"/>
+          <p:nvPr/>
+        </p:nvSpPr>
+        <p:spPr>
+          <a:xfrm>
+            <a:off x="0" y="666802"/>
+            <a:ext cx="8680800" cy="492600"/>
+          </a:xfrm>
+          <a:prstGeom prst="rect">
+            <a:avLst/>
+          </a:prstGeom>
+          <a:noFill/>
+          <a:ln>
+            <a:noFill/>
+          </a:ln>
+        </p:spPr>
+        <p:txBody>
+          <a:bodyPr spcFirstLastPara="1" wrap="square" lIns="91425" tIns="91425" rIns="91425" bIns="91425" anchor="t" anchorCtr="0">
+            <a:noAutofit/>
+          </a:bodyPr>
+          <a:lstStyle/>
+          <a:p>
+            <a:pPr marL="0" lvl="0" indent="0" algn="l" rtl="0">
+              <a:spcBef>
+                <a:spcPts val="0"/>
+              </a:spcBef>
+              <a:spcAft>
+                <a:spcPts val="0"/>
+              </a:spcAft>
+              <a:buNone/>
+            </a:pPr>
+            <a:r>
+              <a:rPr lang="en-GB" sz="1800" dirty="0">
+                <a:solidFill>
+                  <a:srgbClr val="595959"/>
+                </a:solidFill>
+                <a:latin typeface="Cambria" panose="02040503050406030204" pitchFamily="18" charset="0"/>
+                <a:ea typeface="Cambria" panose="02040503050406030204" pitchFamily="18" charset="0"/>
+              </a:rPr>
+              <a:t>Application Architecture (Cloud Native)</a:t>
+            </a:r>
+            <a:endParaRPr sz="1800" dirty="0">
+              <a:solidFill>
+                <a:srgbClr val="595959"/>
+              </a:solidFill>
+              <a:latin typeface="Cambria" panose="02040503050406030204" pitchFamily="18" charset="0"/>
+              <a:ea typeface="Cambria" panose="02040503050406030204" pitchFamily="18" charset="0"/>
+            </a:endParaRPr>
+          </a:p>
+        </p:txBody>
+      </p:sp>
+      <p:pic>
+        <p:nvPicPr>
+          <p:cNvPr id="4" name="Picture 3">
+            <a:extLst>
+              <a:ext uri="{FF2B5EF4-FFF2-40B4-BE49-F238E27FC236}">
+                <a16:creationId xmlns:a16="http://schemas.microsoft.com/office/drawing/2014/main" id="{2E537ABD-2337-491B-BE22-2C51C8CF5C9D}"/>
+              </a:ext>
+            </a:extLst>
+          </p:cNvPr>
+          <p:cNvPicPr>
+            <a:picLocks noChangeAspect="1"/>
+          </p:cNvPicPr>
+          <p:nvPr/>
+        </p:nvPicPr>
+        <p:blipFill>
+          <a:blip r:embed="rId4"/>
+          <a:stretch>
+            <a:fillRect/>
+          </a:stretch>
+        </p:blipFill>
+        <p:spPr>
+          <a:xfrm>
+            <a:off x="843252" y="1323870"/>
+            <a:ext cx="7457496" cy="3077001"/>
+          </a:xfrm>
+          <a:prstGeom prst="rect">
+            <a:avLst/>
+          </a:prstGeom>
+        </p:spPr>
+      </p:pic>
+      <p:sp>
+        <p:nvSpPr>
+          <p:cNvPr id="9" name="TextBox 8">
+            <a:extLst>
+              <a:ext uri="{FF2B5EF4-FFF2-40B4-BE49-F238E27FC236}">
+                <a16:creationId xmlns:a16="http://schemas.microsoft.com/office/drawing/2014/main" id="{61DD1687-6C26-4B0D-BA78-2B108249405B}"/>
+              </a:ext>
+            </a:extLst>
+          </p:cNvPr>
+          <p:cNvSpPr txBox="1"/>
+          <p:nvPr/>
+        </p:nvSpPr>
+        <p:spPr>
+          <a:xfrm>
+            <a:off x="1157345" y="4590753"/>
+            <a:ext cx="6944664" cy="215444"/>
+          </a:xfrm>
+          <a:prstGeom prst="rect">
+            <a:avLst/>
+          </a:prstGeom>
+          <a:noFill/>
+        </p:spPr>
+        <p:txBody>
+          <a:bodyPr wrap="square" rtlCol="0">
+            <a:spAutoFit/>
+          </a:bodyPr>
+          <a:lstStyle/>
+          <a:p>
+            <a:r>
+              <a:rPr lang="en-US" sz="800" i="1" dirty="0">
+                <a:solidFill>
+                  <a:srgbClr val="FF0000"/>
+                </a:solidFill>
+                <a:latin typeface="Calibri" panose="020F0502020204030204" pitchFamily="34" charset="0"/>
+                <a:cs typeface="Calibri" panose="020F0502020204030204" pitchFamily="34" charset="0"/>
+              </a:rPr>
+              <a:t>Note: While the above architecture have been designed following Azure Cloud Services, the same can be replicated with any other popular cloud platform available.</a:t>
+            </a:r>
+            <a:endParaRPr lang="en-IN" sz="800" i="1" dirty="0">
+              <a:solidFill>
+                <a:srgbClr val="FF0000"/>
+              </a:solidFill>
+              <a:latin typeface="Calibri" panose="020F0502020204030204" pitchFamily="34" charset="0"/>
+              <a:cs typeface="Calibri" panose="020F0502020204030204" pitchFamily="34" charset="0"/>
+            </a:endParaRPr>
+          </a:p>
+        </p:txBody>
+      </p:sp>
+      <p:cxnSp>
+        <p:nvCxnSpPr>
+          <p:cNvPr id="10" name="Connector: Elbow 9">
+            <a:extLst>
+              <a:ext uri="{FF2B5EF4-FFF2-40B4-BE49-F238E27FC236}">
+                <a16:creationId xmlns:a16="http://schemas.microsoft.com/office/drawing/2014/main" id="{5B302F56-D29A-4B45-BAC2-1F3AE2EE8590}"/>
+              </a:ext>
+            </a:extLst>
+          </p:cNvPr>
+          <p:cNvCxnSpPr>
+            <a:cxnSpLocks/>
+          </p:cNvCxnSpPr>
+          <p:nvPr/>
+        </p:nvCxnSpPr>
+        <p:spPr>
+          <a:xfrm flipV="1">
+            <a:off x="6507126" y="3080568"/>
+            <a:ext cx="978195" cy="626651"/>
+          </a:xfrm>
+          <a:prstGeom prst="bentConnector3">
+            <a:avLst>
+              <a:gd name="adj1" fmla="val 50000"/>
+            </a:avLst>
+          </a:prstGeom>
+          <a:ln w="12700">
+            <a:tailEnd type="triangle"/>
+          </a:ln>
+        </p:spPr>
+        <p:style>
+          <a:lnRef idx="1">
+            <a:schemeClr val="dk1"/>
+          </a:lnRef>
+          <a:fillRef idx="0">
+            <a:schemeClr val="dk1"/>
+          </a:fillRef>
+          <a:effectRef idx="0">
+            <a:schemeClr val="dk1"/>
+          </a:effectRef>
+          <a:fontRef idx="minor">
+            <a:schemeClr val="tx1"/>
+          </a:fontRef>
+        </p:style>
+      </p:cxnSp>
+      <p:pic>
+        <p:nvPicPr>
+          <p:cNvPr id="19" name="Picture 18">
+            <a:extLst>
+              <a:ext uri="{FF2B5EF4-FFF2-40B4-BE49-F238E27FC236}">
+                <a16:creationId xmlns:a16="http://schemas.microsoft.com/office/drawing/2014/main" id="{F52ECE1B-B447-4863-9EBD-A22A4B813CE2}"/>
+              </a:ext>
+            </a:extLst>
+          </p:cNvPr>
+          <p:cNvPicPr>
+            <a:picLocks noChangeAspect="1"/>
+          </p:cNvPicPr>
+          <p:nvPr/>
+        </p:nvPicPr>
+        <p:blipFill>
+          <a:blip r:embed="rId5"/>
+          <a:stretch>
+            <a:fillRect/>
+          </a:stretch>
+        </p:blipFill>
+        <p:spPr>
+          <a:xfrm>
+            <a:off x="2056292" y="2239260"/>
+            <a:ext cx="274515" cy="274515"/>
+          </a:xfrm>
+          <a:prstGeom prst="rect">
+            <a:avLst/>
+          </a:prstGeom>
+        </p:spPr>
+      </p:pic>
+      <p:pic>
+        <p:nvPicPr>
+          <p:cNvPr id="20" name="Picture 19">
+            <a:extLst>
+              <a:ext uri="{FF2B5EF4-FFF2-40B4-BE49-F238E27FC236}">
+                <a16:creationId xmlns:a16="http://schemas.microsoft.com/office/drawing/2014/main" id="{345FCE79-3162-489D-BB1F-90A257E58034}"/>
+              </a:ext>
+            </a:extLst>
+          </p:cNvPr>
+          <p:cNvPicPr>
+            <a:picLocks noChangeAspect="1"/>
+          </p:cNvPicPr>
+          <p:nvPr/>
+        </p:nvPicPr>
+        <p:blipFill>
+          <a:blip r:embed="rId6"/>
+          <a:stretch>
+            <a:fillRect/>
+          </a:stretch>
+        </p:blipFill>
+        <p:spPr>
+          <a:xfrm>
+            <a:off x="3406589" y="2239260"/>
+            <a:ext cx="274515" cy="274515"/>
+          </a:xfrm>
+          <a:prstGeom prst="rect">
+            <a:avLst/>
+          </a:prstGeom>
+        </p:spPr>
+      </p:pic>
+      <p:pic>
+        <p:nvPicPr>
+          <p:cNvPr id="21" name="Picture 20">
+            <a:extLst>
+              <a:ext uri="{FF2B5EF4-FFF2-40B4-BE49-F238E27FC236}">
+                <a16:creationId xmlns:a16="http://schemas.microsoft.com/office/drawing/2014/main" id="{69D34B23-9EA1-41AF-9790-811313B307A7}"/>
+              </a:ext>
+            </a:extLst>
+          </p:cNvPr>
+          <p:cNvPicPr>
+            <a:picLocks noChangeAspect="1"/>
+          </p:cNvPicPr>
+          <p:nvPr/>
+        </p:nvPicPr>
+        <p:blipFill>
+          <a:blip r:embed="rId7"/>
+          <a:stretch>
+            <a:fillRect/>
+          </a:stretch>
+        </p:blipFill>
+        <p:spPr>
+          <a:xfrm>
+            <a:off x="3406589" y="1710328"/>
+            <a:ext cx="274516" cy="261748"/>
+          </a:xfrm>
+          <a:prstGeom prst="rect">
+            <a:avLst/>
+          </a:prstGeom>
+        </p:spPr>
+      </p:pic>
+      <p:pic>
+        <p:nvPicPr>
+          <p:cNvPr id="22" name="Picture 21">
+            <a:extLst>
+              <a:ext uri="{FF2B5EF4-FFF2-40B4-BE49-F238E27FC236}">
+                <a16:creationId xmlns:a16="http://schemas.microsoft.com/office/drawing/2014/main" id="{A287C689-3EDD-4F76-BF1D-0C7274ABC212}"/>
+              </a:ext>
+            </a:extLst>
+          </p:cNvPr>
+          <p:cNvPicPr>
+            <a:picLocks noChangeAspect="1"/>
+          </p:cNvPicPr>
+          <p:nvPr/>
+        </p:nvPicPr>
+        <p:blipFill>
+          <a:blip r:embed="rId8"/>
+          <a:stretch>
+            <a:fillRect/>
+          </a:stretch>
+        </p:blipFill>
+        <p:spPr>
+          <a:xfrm>
+            <a:off x="4200023" y="3077971"/>
+            <a:ext cx="280754" cy="274515"/>
+          </a:xfrm>
+          <a:prstGeom prst="rect">
+            <a:avLst/>
+          </a:prstGeom>
+        </p:spPr>
+      </p:pic>
+      <p:pic>
+        <p:nvPicPr>
+          <p:cNvPr id="23" name="Picture 22">
+            <a:extLst>
+              <a:ext uri="{FF2B5EF4-FFF2-40B4-BE49-F238E27FC236}">
+                <a16:creationId xmlns:a16="http://schemas.microsoft.com/office/drawing/2014/main" id="{F8F6843F-6344-4E99-83C4-22D684A879AA}"/>
+              </a:ext>
+            </a:extLst>
+          </p:cNvPr>
+          <p:cNvPicPr>
+            <a:picLocks noChangeAspect="1"/>
+          </p:cNvPicPr>
+          <p:nvPr/>
+        </p:nvPicPr>
+        <p:blipFill>
+          <a:blip r:embed="rId9"/>
+          <a:stretch>
+            <a:fillRect/>
+          </a:stretch>
+        </p:blipFill>
+        <p:spPr>
+          <a:xfrm>
+            <a:off x="5510877" y="2554976"/>
+            <a:ext cx="267979" cy="274515"/>
+          </a:xfrm>
+          <a:prstGeom prst="rect">
+            <a:avLst/>
+          </a:prstGeom>
+        </p:spPr>
+      </p:pic>
+      <p:pic>
+        <p:nvPicPr>
+          <p:cNvPr id="24" name="Picture 23">
+            <a:extLst>
+              <a:ext uri="{FF2B5EF4-FFF2-40B4-BE49-F238E27FC236}">
+                <a16:creationId xmlns:a16="http://schemas.microsoft.com/office/drawing/2014/main" id="{1D5F0CD5-20E7-4265-8A8E-30B62A65E210}"/>
+              </a:ext>
+            </a:extLst>
+          </p:cNvPr>
+          <p:cNvPicPr>
+            <a:picLocks noChangeAspect="1"/>
+          </p:cNvPicPr>
+          <p:nvPr/>
+        </p:nvPicPr>
+        <p:blipFill>
+          <a:blip r:embed="rId10"/>
+          <a:stretch>
+            <a:fillRect/>
+          </a:stretch>
+        </p:blipFill>
+        <p:spPr>
+          <a:xfrm>
+            <a:off x="7087708" y="2481515"/>
+            <a:ext cx="248326" cy="261749"/>
+          </a:xfrm>
+          <a:prstGeom prst="rect">
+            <a:avLst/>
+          </a:prstGeom>
+        </p:spPr>
+      </p:pic>
+    </p:spTree>
+    <p:extLst>
+      <p:ext uri="{BB962C8B-B14F-4D97-AF65-F5344CB8AC3E}">
+        <p14:creationId xmlns:p14="http://schemas.microsoft.com/office/powerpoint/2010/main" val="1277522324"/>
       </p:ext>
     </p:extLst>
   </p:cSld>
@@ -19877,7 +19777,7 @@
         <p:spPr>
           <a:xfrm>
             <a:off x="311700" y="1251013"/>
-            <a:ext cx="8468149" cy="3323987"/>
+            <a:ext cx="8468149" cy="3262432"/>
           </a:xfrm>
           <a:prstGeom prst="rect">
             <a:avLst/>
@@ -20110,6 +20010,16 @@
               <a:buFont typeface="Arial" panose="020B0604020202020204" pitchFamily="34" charset="0"/>
               <a:buChar char="•"/>
             </a:pPr>
+            <a:endParaRPr lang="en-US" dirty="0">
+              <a:latin typeface="Calibri" panose="020F0502020204030204" pitchFamily="34" charset="0"/>
+              <a:cs typeface="Calibri" panose="020F0502020204030204" pitchFamily="34" charset="0"/>
+            </a:endParaRPr>
+          </a:p>
+          <a:p>
+            <a:pPr marL="285750" indent="-285750" algn="just">
+              <a:buFont typeface="Arial" panose="020B0604020202020204" pitchFamily="34" charset="0"/>
+              <a:buChar char="•"/>
+            </a:pPr>
             <a:endParaRPr lang="en-IN" dirty="0">
               <a:latin typeface="Calibri" panose="020F0502020204030204" pitchFamily="34" charset="0"/>
               <a:cs typeface="Calibri" panose="020F0502020204030204" pitchFamily="34" charset="0"/>
@@ -20121,13 +20031,19 @@
               <a:buChar char="•"/>
             </a:pPr>
             <a:r>
-              <a:rPr lang="en-IN" dirty="0">
+              <a:rPr lang="en-IN" sz="1200" dirty="0">
+                <a:solidFill>
+                  <a:srgbClr val="FF0000"/>
+                </a:solidFill>
                 <a:latin typeface="Calibri" panose="020F0502020204030204" pitchFamily="34" charset="0"/>
                 <a:cs typeface="Calibri" panose="020F0502020204030204" pitchFamily="34" charset="0"/>
               </a:rPr>
-              <a:t>As the social media APIs are a paid service and no no-cost options are available, the data ingestion process though Kafka streaming couldn’t be implemented in the prototype phase, but it will be a crucial part of the final product implementation.</a:t>
+              <a:t>As the social media APIs are a paid service and no no-cost options are available, the exact architecture mentioned couldn’t be implement for the prototype, but it can be done in a production application following the same concept.</a:t>
             </a:r>
-            <a:endParaRPr lang="en-US" dirty="0">
+            <a:endParaRPr lang="en-US" sz="1200" dirty="0">
+              <a:solidFill>
+                <a:srgbClr val="FF0000"/>
+              </a:solidFill>
               <a:latin typeface="Calibri" panose="020F0502020204030204" pitchFamily="34" charset="0"/>
               <a:cs typeface="Calibri" panose="020F0502020204030204" pitchFamily="34" charset="0"/>
             </a:endParaRPr>
